--- a/Presentations/Section14_Jquery.pptx
+++ b/Presentations/Section14_Jquery.pptx
@@ -7,6 +7,7 @@
   <p:sldIdLst>
     <p:sldId id="256" r:id="rId2"/>
     <p:sldId id="257" r:id="rId3"/>
+    <p:sldId id="258" r:id="rId4"/>
   </p:sldIdLst>
   <p:sldSz cx="12192000" cy="6858000"/>
   <p:notesSz cx="6858000" cy="9144000"/>
@@ -3460,7 +3461,7 @@
           <a:lstStyle/>
           <a:p>
             <a:r>
-              <a:rPr lang="en-US" dirty="0"/>
+              <a:rPr lang="en-US" b="1" dirty="0"/>
               <a:t>Motivation</a:t>
             </a:r>
           </a:p>
@@ -3557,6 +3558,230 @@
     <p:extLst>
       <p:ext uri="{BB962C8B-B14F-4D97-AF65-F5344CB8AC3E}">
         <p14:creationId xmlns:p14="http://schemas.microsoft.com/office/powerpoint/2010/main" val="2141220647"/>
+      </p:ext>
+    </p:extLst>
+  </p:cSld>
+  <p:clrMapOvr>
+    <a:masterClrMapping/>
+  </p:clrMapOvr>
+</p:sld>
+</file>
+
+<file path=ppt/slides/slide3.xml><?xml version="1.0" encoding="utf-8"?>
+<p:sld xmlns:a="http://schemas.openxmlformats.org/drawingml/2006/main" xmlns:r="http://schemas.openxmlformats.org/officeDocument/2006/relationships" xmlns:p="http://schemas.openxmlformats.org/presentationml/2006/main">
+  <p:cSld>
+    <p:spTree>
+      <p:nvGrpSpPr>
+        <p:cNvPr id="1" name=""/>
+        <p:cNvGrpSpPr/>
+        <p:nvPr/>
+      </p:nvGrpSpPr>
+      <p:grpSpPr>
+        <a:xfrm>
+          <a:off x="0" y="0"/>
+          <a:ext cx="0" cy="0"/>
+          <a:chOff x="0" y="0"/>
+          <a:chExt cx="0" cy="0"/>
+        </a:xfrm>
+      </p:grpSpPr>
+      <p:sp>
+        <p:nvSpPr>
+          <p:cNvPr id="2" name="Title 1">
+            <a:extLst>
+              <a:ext uri="{FF2B5EF4-FFF2-40B4-BE49-F238E27FC236}">
+                <a16:creationId xmlns:a16="http://schemas.microsoft.com/office/drawing/2014/main" id="{5E9AA394-32A5-102B-2737-2D0B13BF4280}"/>
+              </a:ext>
+            </a:extLst>
+          </p:cNvPr>
+          <p:cNvSpPr>
+            <a:spLocks noGrp="1"/>
+          </p:cNvSpPr>
+          <p:nvPr>
+            <p:ph type="title"/>
+          </p:nvPr>
+        </p:nvSpPr>
+        <p:spPr/>
+        <p:txBody>
+          <a:bodyPr/>
+          <a:lstStyle/>
+          <a:p>
+            <a:r>
+              <a:rPr lang="en-US" b="1" dirty="0"/>
+              <a:t>How to incorporate </a:t>
+            </a:r>
+            <a:r>
+              <a:rPr lang="en-US" b="1" dirty="0" err="1"/>
+              <a:t>jquery</a:t>
+            </a:r>
+            <a:r>
+              <a:rPr lang="en-US" b="1" dirty="0"/>
+              <a:t> </a:t>
+            </a:r>
+          </a:p>
+        </p:txBody>
+      </p:sp>
+      <p:sp>
+        <p:nvSpPr>
+          <p:cNvPr id="3" name="Content Placeholder 2">
+            <a:extLst>
+              <a:ext uri="{FF2B5EF4-FFF2-40B4-BE49-F238E27FC236}">
+                <a16:creationId xmlns:a16="http://schemas.microsoft.com/office/drawing/2014/main" id="{88FB1CFD-562D-67B3-E0F5-14C73AE05F0B}"/>
+              </a:ext>
+            </a:extLst>
+          </p:cNvPr>
+          <p:cNvSpPr>
+            <a:spLocks noGrp="1"/>
+          </p:cNvSpPr>
+          <p:nvPr>
+            <p:ph idx="1"/>
+          </p:nvPr>
+        </p:nvSpPr>
+        <p:spPr/>
+        <p:txBody>
+          <a:bodyPr/>
+          <a:lstStyle/>
+          <a:p>
+            <a:r>
+              <a:rPr lang="en-US" dirty="0"/>
+              <a:t>Use it at end of body tag </a:t>
+            </a:r>
+          </a:p>
+          <a:p>
+            <a:pPr lvl="2"/>
+            <a:endParaRPr lang="en-US" dirty="0"/>
+          </a:p>
+          <a:p>
+            <a:pPr lvl="2"/>
+            <a:endParaRPr lang="en-US" dirty="0"/>
+          </a:p>
+          <a:p>
+            <a:pPr lvl="2"/>
+            <a:endParaRPr lang="en-US" dirty="0"/>
+          </a:p>
+          <a:p>
+            <a:pPr lvl="2"/>
+            <a:endParaRPr lang="en-US" dirty="0"/>
+          </a:p>
+          <a:p>
+            <a:r>
+              <a:rPr lang="en-US" sz="2000" dirty="0"/>
+              <a:t>We are using google CDN to fetch </a:t>
+            </a:r>
+            <a:r>
+              <a:rPr lang="en-US" sz="2000" dirty="0" err="1"/>
+              <a:t>jquery</a:t>
+            </a:r>
+            <a:r>
+              <a:rPr lang="en-US" sz="2000" dirty="0"/>
+              <a:t> libs. Most websites might already have loaded </a:t>
+            </a:r>
+            <a:r>
+              <a:rPr lang="en-US" sz="2000" dirty="0" err="1"/>
+              <a:t>jquery</a:t>
+            </a:r>
+            <a:r>
+              <a:rPr lang="en-US" sz="2000" dirty="0"/>
+              <a:t> libs in browser. In that case it wont fetch again from CDN</a:t>
+            </a:r>
+          </a:p>
+          <a:p>
+            <a:r>
+              <a:rPr lang="en-US" sz="2000" dirty="0"/>
+              <a:t>If instead we write the above code in head, the </a:t>
+            </a:r>
+            <a:r>
+              <a:rPr lang="en-US" sz="2000" dirty="0" err="1"/>
+              <a:t>jquery</a:t>
+            </a:r>
+            <a:r>
+              <a:rPr lang="en-US" sz="2000" dirty="0"/>
+              <a:t> library might not work because page gets loaded before </a:t>
+            </a:r>
+            <a:r>
+              <a:rPr lang="en-US" sz="2000" dirty="0" err="1"/>
+              <a:t>jquery</a:t>
+            </a:r>
+            <a:r>
+              <a:rPr lang="en-US" sz="2000" dirty="0"/>
+              <a:t> calls the library</a:t>
+            </a:r>
+          </a:p>
+          <a:p>
+            <a:r>
+              <a:rPr lang="en-US" sz="2000" dirty="0"/>
+              <a:t>To make it Work in head , we use wait method. But we usually prefer earlier approach</a:t>
+            </a:r>
+          </a:p>
+          <a:p>
+            <a:pPr lvl="1"/>
+            <a:endParaRPr lang="en-US" sz="1600" dirty="0"/>
+          </a:p>
+        </p:txBody>
+      </p:sp>
+      <p:pic>
+        <p:nvPicPr>
+          <p:cNvPr id="4" name="Picture 3">
+            <a:extLst>
+              <a:ext uri="{FF2B5EF4-FFF2-40B4-BE49-F238E27FC236}">
+                <a16:creationId xmlns:a16="http://schemas.microsoft.com/office/drawing/2014/main" id="{8D7F865B-FD5C-E711-F6FF-67F69FA01798}"/>
+              </a:ext>
+            </a:extLst>
+          </p:cNvPr>
+          <p:cNvPicPr>
+            <a:picLocks noChangeAspect="1"/>
+          </p:cNvPicPr>
+          <p:nvPr/>
+        </p:nvPicPr>
+        <p:blipFill>
+          <a:blip r:embed="rId2"/>
+          <a:stretch>
+            <a:fillRect/>
+          </a:stretch>
+        </p:blipFill>
+        <p:spPr>
+          <a:xfrm>
+            <a:off x="2063045" y="2338154"/>
+            <a:ext cx="7772400" cy="1233426"/>
+          </a:xfrm>
+          <a:prstGeom prst="rect">
+            <a:avLst/>
+          </a:prstGeom>
+        </p:spPr>
+      </p:pic>
+      <p:pic>
+        <p:nvPicPr>
+          <p:cNvPr id="7" name="Picture 6">
+            <a:extLst>
+              <a:ext uri="{FF2B5EF4-FFF2-40B4-BE49-F238E27FC236}">
+                <a16:creationId xmlns:a16="http://schemas.microsoft.com/office/drawing/2014/main" id="{2F72707F-0DFE-6E1C-F1A6-292814597DE2}"/>
+              </a:ext>
+            </a:extLst>
+          </p:cNvPr>
+          <p:cNvPicPr>
+            <a:picLocks noChangeAspect="1"/>
+          </p:cNvPicPr>
+          <p:nvPr/>
+        </p:nvPicPr>
+        <p:blipFill>
+          <a:blip r:embed="rId3"/>
+          <a:stretch>
+            <a:fillRect/>
+          </a:stretch>
+        </p:blipFill>
+        <p:spPr>
+          <a:xfrm>
+            <a:off x="2695223" y="5456065"/>
+            <a:ext cx="5082822" cy="1233427"/>
+          </a:xfrm>
+          <a:prstGeom prst="rect">
+            <a:avLst/>
+          </a:prstGeom>
+        </p:spPr>
+      </p:pic>
+    </p:spTree>
+    <p:extLst>
+      <p:ext uri="{BB962C8B-B14F-4D97-AF65-F5344CB8AC3E}">
+        <p14:creationId xmlns:p14="http://schemas.microsoft.com/office/powerpoint/2010/main" val="2091057163"/>
       </p:ext>
     </p:extLst>
   </p:cSld>

--- a/Presentations/Section14_Jquery.pptx
+++ b/Presentations/Section14_Jquery.pptx
@@ -8,6 +8,9 @@
     <p:sldId id="256" r:id="rId2"/>
     <p:sldId id="257" r:id="rId3"/>
     <p:sldId id="258" r:id="rId4"/>
+    <p:sldId id="259" r:id="rId5"/>
+    <p:sldId id="260" r:id="rId6"/>
+    <p:sldId id="261" r:id="rId7"/>
   </p:sldIdLst>
   <p:sldSz cx="12192000" cy="6858000"/>
   <p:notesSz cx="6858000" cy="9144000"/>
@@ -106,6 +109,11 @@
       </a:defRPr>
     </a:lvl9pPr>
   </p:defaultTextStyle>
+  <p:extLst>
+    <p:ext uri="{EFAFB233-063F-42B5-8137-9DF3F51BA10A}">
+      <p15:sldGuideLst xmlns:p15="http://schemas.microsoft.com/office/powerpoint/2012/main"/>
+    </p:ext>
+  </p:extLst>
 </p:presentation>
 </file>
 
@@ -3791,6 +3799,374 @@
 </p:sld>
 </file>
 
+<file path=ppt/slides/slide4.xml><?xml version="1.0" encoding="utf-8"?>
+<p:sld xmlns:a="http://schemas.openxmlformats.org/drawingml/2006/main" xmlns:r="http://schemas.openxmlformats.org/officeDocument/2006/relationships" xmlns:p="http://schemas.openxmlformats.org/presentationml/2006/main">
+  <p:cSld>
+    <p:spTree>
+      <p:nvGrpSpPr>
+        <p:cNvPr id="1" name=""/>
+        <p:cNvGrpSpPr/>
+        <p:nvPr/>
+      </p:nvGrpSpPr>
+      <p:grpSpPr>
+        <a:xfrm>
+          <a:off x="0" y="0"/>
+          <a:ext cx="0" cy="0"/>
+          <a:chOff x="0" y="0"/>
+          <a:chExt cx="0" cy="0"/>
+        </a:xfrm>
+      </p:grpSpPr>
+      <p:sp>
+        <p:nvSpPr>
+          <p:cNvPr id="2" name="Title 1">
+            <a:extLst>
+              <a:ext uri="{FF2B5EF4-FFF2-40B4-BE49-F238E27FC236}">
+                <a16:creationId xmlns:a16="http://schemas.microsoft.com/office/drawing/2014/main" id="{DC4049BA-8D9C-2C19-1194-EE991879DD3C}"/>
+              </a:ext>
+            </a:extLst>
+          </p:cNvPr>
+          <p:cNvSpPr>
+            <a:spLocks noGrp="1"/>
+          </p:cNvSpPr>
+          <p:nvPr>
+            <p:ph type="title"/>
+          </p:nvPr>
+        </p:nvSpPr>
+        <p:spPr/>
+        <p:txBody>
+          <a:bodyPr/>
+          <a:lstStyle/>
+          <a:p>
+            <a:r>
+              <a:rPr lang="en-US" dirty="0"/>
+              <a:t>Manipulating styles with </a:t>
+            </a:r>
+            <a:r>
+              <a:rPr lang="en-US" dirty="0" err="1"/>
+              <a:t>Jquery</a:t>
+            </a:r>
+            <a:endParaRPr lang="en-US" dirty="0"/>
+          </a:p>
+        </p:txBody>
+      </p:sp>
+      <p:sp>
+        <p:nvSpPr>
+          <p:cNvPr id="3" name="Content Placeholder 2">
+            <a:extLst>
+              <a:ext uri="{FF2B5EF4-FFF2-40B4-BE49-F238E27FC236}">
+                <a16:creationId xmlns:a16="http://schemas.microsoft.com/office/drawing/2014/main" id="{76FB65FA-F583-BA03-06A2-89BF89DEBA0B}"/>
+              </a:ext>
+            </a:extLst>
+          </p:cNvPr>
+          <p:cNvSpPr>
+            <a:spLocks noGrp="1"/>
+          </p:cNvSpPr>
+          <p:nvPr>
+            <p:ph idx="1"/>
+          </p:nvPr>
+        </p:nvSpPr>
+        <p:spPr/>
+        <p:txBody>
+          <a:bodyPr/>
+          <a:lstStyle/>
+          <a:p>
+            <a:r>
+              <a:rPr lang="en-US" dirty="0"/>
+              <a:t>Both  the lines will select either one or all of the elements</a:t>
+            </a:r>
+          </a:p>
+          <a:p>
+            <a:r>
+              <a:rPr lang="en-US" dirty="0"/>
+              <a:t>$(”h1”)</a:t>
+            </a:r>
+          </a:p>
+          <a:p>
+            <a:r>
+              <a:rPr lang="en-US" dirty="0"/>
+              <a:t>$(“button”)</a:t>
+            </a:r>
+          </a:p>
+        </p:txBody>
+      </p:sp>
+    </p:spTree>
+    <p:extLst>
+      <p:ext uri="{BB962C8B-B14F-4D97-AF65-F5344CB8AC3E}">
+        <p14:creationId xmlns:p14="http://schemas.microsoft.com/office/powerpoint/2010/main" val="2880512462"/>
+      </p:ext>
+    </p:extLst>
+  </p:cSld>
+  <p:clrMapOvr>
+    <a:masterClrMapping/>
+  </p:clrMapOvr>
+</p:sld>
+</file>
+
+<file path=ppt/slides/slide5.xml><?xml version="1.0" encoding="utf-8"?>
+<p:sld xmlns:a="http://schemas.openxmlformats.org/drawingml/2006/main" xmlns:r="http://schemas.openxmlformats.org/officeDocument/2006/relationships" xmlns:p="http://schemas.openxmlformats.org/presentationml/2006/main">
+  <p:cSld>
+    <p:spTree>
+      <p:nvGrpSpPr>
+        <p:cNvPr id="1" name=""/>
+        <p:cNvGrpSpPr/>
+        <p:nvPr/>
+      </p:nvGrpSpPr>
+      <p:grpSpPr>
+        <a:xfrm>
+          <a:off x="0" y="0"/>
+          <a:ext cx="0" cy="0"/>
+          <a:chOff x="0" y="0"/>
+          <a:chExt cx="0" cy="0"/>
+        </a:xfrm>
+      </p:grpSpPr>
+      <p:sp>
+        <p:nvSpPr>
+          <p:cNvPr id="2" name="Title 1">
+            <a:extLst>
+              <a:ext uri="{FF2B5EF4-FFF2-40B4-BE49-F238E27FC236}">
+                <a16:creationId xmlns:a16="http://schemas.microsoft.com/office/drawing/2014/main" id="{EA5AB9BE-5F64-9977-749D-0F17CF63113E}"/>
+              </a:ext>
+            </a:extLst>
+          </p:cNvPr>
+          <p:cNvSpPr>
+            <a:spLocks noGrp="1"/>
+          </p:cNvSpPr>
+          <p:nvPr>
+            <p:ph type="title"/>
+          </p:nvPr>
+        </p:nvSpPr>
+        <p:spPr/>
+        <p:txBody>
+          <a:bodyPr/>
+          <a:lstStyle/>
+          <a:p>
+            <a:r>
+              <a:rPr lang="en-US" dirty="0"/>
+              <a:t>Rule:- separate style and </a:t>
+            </a:r>
+            <a:r>
+              <a:rPr lang="en-US" dirty="0" err="1"/>
+              <a:t>javascript</a:t>
+            </a:r>
+            <a:r>
+              <a:rPr lang="en-US" dirty="0"/>
+              <a:t>		</a:t>
+            </a:r>
+          </a:p>
+        </p:txBody>
+      </p:sp>
+      <p:sp>
+        <p:nvSpPr>
+          <p:cNvPr id="3" name="Content Placeholder 2">
+            <a:extLst>
+              <a:ext uri="{FF2B5EF4-FFF2-40B4-BE49-F238E27FC236}">
+                <a16:creationId xmlns:a16="http://schemas.microsoft.com/office/drawing/2014/main" id="{B7D7E63A-EA1E-99B1-637E-C1B9A0B3B81D}"/>
+              </a:ext>
+            </a:extLst>
+          </p:cNvPr>
+          <p:cNvSpPr>
+            <a:spLocks noGrp="1"/>
+          </p:cNvSpPr>
+          <p:nvPr>
+            <p:ph idx="1"/>
+          </p:nvPr>
+        </p:nvSpPr>
+        <p:spPr/>
+        <p:txBody>
+          <a:bodyPr/>
+          <a:lstStyle/>
+          <a:p>
+            <a:r>
+              <a:rPr lang="en-US" dirty="0"/>
+              <a:t>In previous approach, we were using stylesheet inside </a:t>
+            </a:r>
+            <a:r>
+              <a:rPr lang="en-US" dirty="0" err="1"/>
+              <a:t>javascript</a:t>
+            </a:r>
+            <a:r>
+              <a:rPr lang="en-US" dirty="0"/>
+              <a:t>. However this is not a good approach</a:t>
+            </a:r>
+          </a:p>
+          <a:p>
+            <a:r>
+              <a:rPr lang="en-US" dirty="0"/>
+              <a:t>Hence , we will create class in </a:t>
+            </a:r>
+            <a:r>
+              <a:rPr lang="en-US" dirty="0" err="1"/>
+              <a:t>stylesheet.css</a:t>
+            </a:r>
+            <a:r>
+              <a:rPr lang="en-US" dirty="0"/>
+              <a:t> and then call </a:t>
+            </a:r>
+            <a:r>
+              <a:rPr lang="en-US" dirty="0" err="1"/>
+              <a:t>jquery</a:t>
+            </a:r>
+            <a:r>
+              <a:rPr lang="en-US" dirty="0"/>
+              <a:t> method on classes.</a:t>
+            </a:r>
+          </a:p>
+          <a:p>
+            <a:r>
+              <a:rPr lang="en-US" dirty="0"/>
+              <a:t>Example</a:t>
+            </a:r>
+          </a:p>
+          <a:p>
+            <a:pPr lvl="1"/>
+            <a:r>
+              <a:rPr lang="en-US" dirty="0"/>
+              <a:t>$h1.addClass(“</a:t>
+            </a:r>
+            <a:r>
+              <a:rPr lang="en-US" dirty="0">
+                <a:solidFill>
+                  <a:srgbClr val="FF0000"/>
+                </a:solidFill>
+              </a:rPr>
+              <a:t>big-title</a:t>
+            </a:r>
+            <a:r>
+              <a:rPr lang="en-US" dirty="0"/>
+              <a:t> </a:t>
+            </a:r>
+            <a:r>
+              <a:rPr lang="en-US" dirty="0">
+                <a:solidFill>
+                  <a:srgbClr val="FF0000"/>
+                </a:solidFill>
+              </a:rPr>
+              <a:t>margin-50</a:t>
+            </a:r>
+            <a:r>
+              <a:rPr lang="en-US" dirty="0"/>
+              <a:t>”) //multi classes are separated by space</a:t>
+            </a:r>
+          </a:p>
+          <a:p>
+            <a:pPr lvl="1"/>
+            <a:endParaRPr lang="en-US" dirty="0"/>
+          </a:p>
+        </p:txBody>
+      </p:sp>
+    </p:spTree>
+    <p:extLst>
+      <p:ext uri="{BB962C8B-B14F-4D97-AF65-F5344CB8AC3E}">
+        <p14:creationId xmlns:p14="http://schemas.microsoft.com/office/powerpoint/2010/main" val="2414394619"/>
+      </p:ext>
+    </p:extLst>
+  </p:cSld>
+  <p:clrMapOvr>
+    <a:masterClrMapping/>
+  </p:clrMapOvr>
+</p:sld>
+</file>
+
+<file path=ppt/slides/slide6.xml><?xml version="1.0" encoding="utf-8"?>
+<p:sld xmlns:a="http://schemas.openxmlformats.org/drawingml/2006/main" xmlns:r="http://schemas.openxmlformats.org/officeDocument/2006/relationships" xmlns:p="http://schemas.openxmlformats.org/presentationml/2006/main">
+  <p:cSld>
+    <p:spTree>
+      <p:nvGrpSpPr>
+        <p:cNvPr id="1" name=""/>
+        <p:cNvGrpSpPr/>
+        <p:nvPr/>
+      </p:nvGrpSpPr>
+      <p:grpSpPr>
+        <a:xfrm>
+          <a:off x="0" y="0"/>
+          <a:ext cx="0" cy="0"/>
+          <a:chOff x="0" y="0"/>
+          <a:chExt cx="0" cy="0"/>
+        </a:xfrm>
+      </p:grpSpPr>
+      <p:sp>
+        <p:nvSpPr>
+          <p:cNvPr id="2" name="Title 1">
+            <a:extLst>
+              <a:ext uri="{FF2B5EF4-FFF2-40B4-BE49-F238E27FC236}">
+                <a16:creationId xmlns:a16="http://schemas.microsoft.com/office/drawing/2014/main" id="{4AC181A6-F6A2-B666-DDAC-7811188B38BE}"/>
+              </a:ext>
+            </a:extLst>
+          </p:cNvPr>
+          <p:cNvSpPr>
+            <a:spLocks noGrp="1"/>
+          </p:cNvSpPr>
+          <p:nvPr>
+            <p:ph type="title"/>
+          </p:nvPr>
+        </p:nvSpPr>
+        <p:spPr/>
+        <p:txBody>
+          <a:bodyPr/>
+          <a:lstStyle/>
+          <a:p>
+            <a:r>
+              <a:rPr lang="en-US" dirty="0"/>
+              <a:t>Manipulating </a:t>
+            </a:r>
+            <a:r>
+              <a:rPr lang="en-US" dirty="0">
+                <a:solidFill>
+                  <a:srgbClr val="C00000"/>
+                </a:solidFill>
+              </a:rPr>
+              <a:t>text</a:t>
+            </a:r>
+            <a:r>
+              <a:rPr lang="en-US" dirty="0"/>
+              <a:t> with </a:t>
+            </a:r>
+            <a:r>
+              <a:rPr lang="en-US" dirty="0" err="1"/>
+              <a:t>jquery</a:t>
+            </a:r>
+            <a:endParaRPr lang="en-US" dirty="0"/>
+          </a:p>
+        </p:txBody>
+      </p:sp>
+      <p:sp>
+        <p:nvSpPr>
+          <p:cNvPr id="3" name="Content Placeholder 2">
+            <a:extLst>
+              <a:ext uri="{FF2B5EF4-FFF2-40B4-BE49-F238E27FC236}">
+                <a16:creationId xmlns:a16="http://schemas.microsoft.com/office/drawing/2014/main" id="{FDDBB7AE-75CC-CF32-CF7B-7A03567AA793}"/>
+              </a:ext>
+            </a:extLst>
+          </p:cNvPr>
+          <p:cNvSpPr>
+            <a:spLocks noGrp="1"/>
+          </p:cNvSpPr>
+          <p:nvPr>
+            <p:ph idx="1"/>
+          </p:nvPr>
+        </p:nvSpPr>
+        <p:spPr/>
+        <p:txBody>
+          <a:bodyPr/>
+          <a:lstStyle/>
+          <a:p>
+            <a:endParaRPr lang="en-US"/>
+          </a:p>
+        </p:txBody>
+      </p:sp>
+    </p:spTree>
+    <p:extLst>
+      <p:ext uri="{BB962C8B-B14F-4D97-AF65-F5344CB8AC3E}">
+        <p14:creationId xmlns:p14="http://schemas.microsoft.com/office/powerpoint/2010/main" val="2135691461"/>
+      </p:ext>
+    </p:extLst>
+  </p:cSld>
+  <p:clrMapOvr>
+    <a:masterClrMapping/>
+  </p:clrMapOvr>
+</p:sld>
+</file>
+
 <file path=ppt/theme/theme1.xml><?xml version="1.0" encoding="utf-8"?>
 <a:theme xmlns:a="http://schemas.openxmlformats.org/drawingml/2006/main" name="Office Theme">
   <a:themeElements>

--- a/Presentations/Section14_Jquery.pptx
+++ b/Presentations/Section14_Jquery.pptx
@@ -8,9 +8,13 @@
     <p:sldId id="256" r:id="rId2"/>
     <p:sldId id="257" r:id="rId3"/>
     <p:sldId id="258" r:id="rId4"/>
-    <p:sldId id="259" r:id="rId5"/>
-    <p:sldId id="260" r:id="rId6"/>
-    <p:sldId id="261" r:id="rId7"/>
+    <p:sldId id="262" r:id="rId5"/>
+    <p:sldId id="259" r:id="rId6"/>
+    <p:sldId id="260" r:id="rId7"/>
+    <p:sldId id="264" r:id="rId8"/>
+    <p:sldId id="261" r:id="rId9"/>
+    <p:sldId id="265" r:id="rId10"/>
+    <p:sldId id="266" r:id="rId11"/>
   </p:sldIdLst>
   <p:sldSz cx="12192000" cy="6858000"/>
   <p:notesSz cx="6858000" cy="9144000"/>
@@ -266,7 +270,7 @@
           <a:p>
             <a:fld id="{AF7F5B3D-5889-4B46-800F-6466A9710017}" type="datetimeFigureOut">
               <a:rPr lang="en-US" smtClean="0"/>
-              <a:t>11/24/22</a:t>
+              <a:t>11/25/22</a:t>
             </a:fld>
             <a:endParaRPr lang="en-US"/>
           </a:p>
@@ -466,7 +470,7 @@
           <a:p>
             <a:fld id="{AF7F5B3D-5889-4B46-800F-6466A9710017}" type="datetimeFigureOut">
               <a:rPr lang="en-US" smtClean="0"/>
-              <a:t>11/24/22</a:t>
+              <a:t>11/25/22</a:t>
             </a:fld>
             <a:endParaRPr lang="en-US"/>
           </a:p>
@@ -676,7 +680,7 @@
           <a:p>
             <a:fld id="{AF7F5B3D-5889-4B46-800F-6466A9710017}" type="datetimeFigureOut">
               <a:rPr lang="en-US" smtClean="0"/>
-              <a:t>11/24/22</a:t>
+              <a:t>11/25/22</a:t>
             </a:fld>
             <a:endParaRPr lang="en-US"/>
           </a:p>
@@ -876,7 +880,7 @@
           <a:p>
             <a:fld id="{AF7F5B3D-5889-4B46-800F-6466A9710017}" type="datetimeFigureOut">
               <a:rPr lang="en-US" smtClean="0"/>
-              <a:t>11/24/22</a:t>
+              <a:t>11/25/22</a:t>
             </a:fld>
             <a:endParaRPr lang="en-US"/>
           </a:p>
@@ -1152,7 +1156,7 @@
           <a:p>
             <a:fld id="{AF7F5B3D-5889-4B46-800F-6466A9710017}" type="datetimeFigureOut">
               <a:rPr lang="en-US" smtClean="0"/>
-              <a:t>11/24/22</a:t>
+              <a:t>11/25/22</a:t>
             </a:fld>
             <a:endParaRPr lang="en-US"/>
           </a:p>
@@ -1420,7 +1424,7 @@
           <a:p>
             <a:fld id="{AF7F5B3D-5889-4B46-800F-6466A9710017}" type="datetimeFigureOut">
               <a:rPr lang="en-US" smtClean="0"/>
-              <a:t>11/24/22</a:t>
+              <a:t>11/25/22</a:t>
             </a:fld>
             <a:endParaRPr lang="en-US"/>
           </a:p>
@@ -1835,7 +1839,7 @@
           <a:p>
             <a:fld id="{AF7F5B3D-5889-4B46-800F-6466A9710017}" type="datetimeFigureOut">
               <a:rPr lang="en-US" smtClean="0"/>
-              <a:t>11/24/22</a:t>
+              <a:t>11/25/22</a:t>
             </a:fld>
             <a:endParaRPr lang="en-US"/>
           </a:p>
@@ -1977,7 +1981,7 @@
           <a:p>
             <a:fld id="{AF7F5B3D-5889-4B46-800F-6466A9710017}" type="datetimeFigureOut">
               <a:rPr lang="en-US" smtClean="0"/>
-              <a:t>11/24/22</a:t>
+              <a:t>11/25/22</a:t>
             </a:fld>
             <a:endParaRPr lang="en-US"/>
           </a:p>
@@ -2090,7 +2094,7 @@
           <a:p>
             <a:fld id="{AF7F5B3D-5889-4B46-800F-6466A9710017}" type="datetimeFigureOut">
               <a:rPr lang="en-US" smtClean="0"/>
-              <a:t>11/24/22</a:t>
+              <a:t>11/25/22</a:t>
             </a:fld>
             <a:endParaRPr lang="en-US"/>
           </a:p>
@@ -2403,7 +2407,7 @@
           <a:p>
             <a:fld id="{AF7F5B3D-5889-4B46-800F-6466A9710017}" type="datetimeFigureOut">
               <a:rPr lang="en-US" smtClean="0"/>
-              <a:t>11/24/22</a:t>
+              <a:t>11/25/22</a:t>
             </a:fld>
             <a:endParaRPr lang="en-US"/>
           </a:p>
@@ -2692,7 +2696,7 @@
           <a:p>
             <a:fld id="{AF7F5B3D-5889-4B46-800F-6466A9710017}" type="datetimeFigureOut">
               <a:rPr lang="en-US" smtClean="0"/>
-              <a:t>11/24/22</a:t>
+              <a:t>11/25/22</a:t>
             </a:fld>
             <a:endParaRPr lang="en-US"/>
           </a:p>
@@ -2935,7 +2939,7 @@
           <a:p>
             <a:fld id="{AF7F5B3D-5889-4B46-800F-6466A9710017}" type="datetimeFigureOut">
               <a:rPr lang="en-US" smtClean="0"/>
-              <a:t>11/24/22</a:t>
+              <a:t>11/25/22</a:t>
             </a:fld>
             <a:endParaRPr lang="en-US"/>
           </a:p>
@@ -3430,6 +3434,86 @@
 </p:sld>
 </file>
 
+<file path=ppt/slides/slide10.xml><?xml version="1.0" encoding="utf-8"?>
+<p:sld xmlns:a="http://schemas.openxmlformats.org/drawingml/2006/main" xmlns:r="http://schemas.openxmlformats.org/officeDocument/2006/relationships" xmlns:p="http://schemas.openxmlformats.org/presentationml/2006/main">
+  <p:cSld>
+    <p:spTree>
+      <p:nvGrpSpPr>
+        <p:cNvPr id="1" name=""/>
+        <p:cNvGrpSpPr/>
+        <p:nvPr/>
+      </p:nvGrpSpPr>
+      <p:grpSpPr>
+        <a:xfrm>
+          <a:off x="0" y="0"/>
+          <a:ext cx="0" cy="0"/>
+          <a:chOff x="0" y="0"/>
+          <a:chExt cx="0" cy="0"/>
+        </a:xfrm>
+      </p:grpSpPr>
+      <p:sp>
+        <p:nvSpPr>
+          <p:cNvPr id="2" name="Title 1">
+            <a:extLst>
+              <a:ext uri="{FF2B5EF4-FFF2-40B4-BE49-F238E27FC236}">
+                <a16:creationId xmlns:a16="http://schemas.microsoft.com/office/drawing/2014/main" id="{43358491-8904-2E2E-E5CD-BCDC33D1F190}"/>
+              </a:ext>
+            </a:extLst>
+          </p:cNvPr>
+          <p:cNvSpPr>
+            <a:spLocks noGrp="1"/>
+          </p:cNvSpPr>
+          <p:nvPr>
+            <p:ph type="title"/>
+          </p:nvPr>
+        </p:nvSpPr>
+        <p:spPr/>
+        <p:txBody>
+          <a:bodyPr/>
+          <a:lstStyle/>
+          <a:p>
+            <a:endParaRPr lang="en-US"/>
+          </a:p>
+        </p:txBody>
+      </p:sp>
+      <p:sp>
+        <p:nvSpPr>
+          <p:cNvPr id="3" name="Content Placeholder 2">
+            <a:extLst>
+              <a:ext uri="{FF2B5EF4-FFF2-40B4-BE49-F238E27FC236}">
+                <a16:creationId xmlns:a16="http://schemas.microsoft.com/office/drawing/2014/main" id="{640F3408-8EC3-A639-89A0-B37D9C63B738}"/>
+              </a:ext>
+            </a:extLst>
+          </p:cNvPr>
+          <p:cNvSpPr>
+            <a:spLocks noGrp="1"/>
+          </p:cNvSpPr>
+          <p:nvPr>
+            <p:ph idx="1"/>
+          </p:nvPr>
+        </p:nvSpPr>
+        <p:spPr/>
+        <p:txBody>
+          <a:bodyPr/>
+          <a:lstStyle/>
+          <a:p>
+            <a:endParaRPr lang="en-US"/>
+          </a:p>
+        </p:txBody>
+      </p:sp>
+    </p:spTree>
+    <p:extLst>
+      <p:ext uri="{BB962C8B-B14F-4D97-AF65-F5344CB8AC3E}">
+        <p14:creationId xmlns:p14="http://schemas.microsoft.com/office/powerpoint/2010/main" val="3715626717"/>
+      </p:ext>
+    </p:extLst>
+  </p:cSld>
+  <p:clrMapOvr>
+    <a:masterClrMapping/>
+  </p:clrMapOvr>
+</p:sld>
+</file>
+
 <file path=ppt/slides/slide2.xml><?xml version="1.0" encoding="utf-8"?>
 <p:sld xmlns:a="http://schemas.openxmlformats.org/drawingml/2006/main" xmlns:r="http://schemas.openxmlformats.org/officeDocument/2006/relationships" xmlns:p="http://schemas.openxmlformats.org/presentationml/2006/main">
   <p:cSld>
@@ -3818,18 +3902,18 @@
       </p:grpSpPr>
       <p:sp>
         <p:nvSpPr>
-          <p:cNvPr id="2" name="Title 1">
-            <a:extLst>
-              <a:ext uri="{FF2B5EF4-FFF2-40B4-BE49-F238E27FC236}">
-                <a16:creationId xmlns:a16="http://schemas.microsoft.com/office/drawing/2014/main" id="{DC4049BA-8D9C-2C19-1194-EE991879DD3C}"/>
-              </a:ext>
-            </a:extLst>
-          </p:cNvPr>
-          <p:cNvSpPr>
-            <a:spLocks noGrp="1"/>
-          </p:cNvSpPr>
-          <p:nvPr>
-            <p:ph type="title"/>
+          <p:cNvPr id="4" name="Title 3">
+            <a:extLst>
+              <a:ext uri="{FF2B5EF4-FFF2-40B4-BE49-F238E27FC236}">
+                <a16:creationId xmlns:a16="http://schemas.microsoft.com/office/drawing/2014/main" id="{FB98A634-E323-1D74-42BC-55E34A216BB4}"/>
+              </a:ext>
+            </a:extLst>
+          </p:cNvPr>
+          <p:cNvSpPr>
+            <a:spLocks noGrp="1"/>
+          </p:cNvSpPr>
+          <p:nvPr>
+            <p:ph type="ctrTitle"/>
           </p:nvPr>
         </p:nvSpPr>
         <p:spPr/>
@@ -3851,48 +3935,33 @@
       </p:sp>
       <p:sp>
         <p:nvSpPr>
-          <p:cNvPr id="3" name="Content Placeholder 2">
-            <a:extLst>
-              <a:ext uri="{FF2B5EF4-FFF2-40B4-BE49-F238E27FC236}">
-                <a16:creationId xmlns:a16="http://schemas.microsoft.com/office/drawing/2014/main" id="{76FB65FA-F583-BA03-06A2-89BF89DEBA0B}"/>
-              </a:ext>
-            </a:extLst>
-          </p:cNvPr>
-          <p:cNvSpPr>
-            <a:spLocks noGrp="1"/>
-          </p:cNvSpPr>
-          <p:nvPr>
-            <p:ph idx="1"/>
-          </p:nvPr>
-        </p:nvSpPr>
-        <p:spPr/>
-        <p:txBody>
-          <a:bodyPr/>
-          <a:lstStyle/>
-          <a:p>
-            <a:r>
-              <a:rPr lang="en-US" dirty="0"/>
-              <a:t>Both  the lines will select either one or all of the elements</a:t>
-            </a:r>
-          </a:p>
-          <a:p>
-            <a:r>
-              <a:rPr lang="en-US" dirty="0"/>
-              <a:t>$(”h1”)</a:t>
-            </a:r>
-          </a:p>
-          <a:p>
-            <a:r>
-              <a:rPr lang="en-US" dirty="0"/>
-              <a:t>$(“button”)</a:t>
-            </a:r>
+          <p:cNvPr id="5" name="Subtitle 4">
+            <a:extLst>
+              <a:ext uri="{FF2B5EF4-FFF2-40B4-BE49-F238E27FC236}">
+                <a16:creationId xmlns:a16="http://schemas.microsoft.com/office/drawing/2014/main" id="{9992C27C-6D91-4D15-A5D1-92D8417A1B29}"/>
+              </a:ext>
+            </a:extLst>
+          </p:cNvPr>
+          <p:cNvSpPr>
+            <a:spLocks noGrp="1"/>
+          </p:cNvSpPr>
+          <p:nvPr>
+            <p:ph type="subTitle" idx="1"/>
+          </p:nvPr>
+        </p:nvSpPr>
+        <p:spPr/>
+        <p:txBody>
+          <a:bodyPr/>
+          <a:lstStyle/>
+          <a:p>
+            <a:endParaRPr lang="en-US"/>
           </a:p>
         </p:txBody>
       </p:sp>
     </p:spTree>
     <p:extLst>
       <p:ext uri="{BB962C8B-B14F-4D97-AF65-F5344CB8AC3E}">
-        <p14:creationId xmlns:p14="http://schemas.microsoft.com/office/powerpoint/2010/main" val="2880512462"/>
+        <p14:creationId xmlns:p14="http://schemas.microsoft.com/office/powerpoint/2010/main" val="575022047"/>
       </p:ext>
     </p:extLst>
   </p:cSld>
@@ -3924,7 +3993,7 @@
           <p:cNvPr id="2" name="Title 1">
             <a:extLst>
               <a:ext uri="{FF2B5EF4-FFF2-40B4-BE49-F238E27FC236}">
-                <a16:creationId xmlns:a16="http://schemas.microsoft.com/office/drawing/2014/main" id="{EA5AB9BE-5F64-9977-749D-0F17CF63113E}"/>
+                <a16:creationId xmlns:a16="http://schemas.microsoft.com/office/drawing/2014/main" id="{DC4049BA-8D9C-2C19-1194-EE991879DD3C}"/>
               </a:ext>
             </a:extLst>
           </p:cNvPr>
@@ -3942,122 +4011,60 @@
           <a:p>
             <a:r>
               <a:rPr lang="en-US" dirty="0"/>
-              <a:t>Rule:- separate style and </a:t>
+              <a:t>Manipulating styles with </a:t>
             </a:r>
             <a:r>
               <a:rPr lang="en-US" dirty="0" err="1"/>
-              <a:t>javascript</a:t>
-            </a:r>
+              <a:t>Jquery</a:t>
+            </a:r>
+            <a:endParaRPr lang="en-US" dirty="0"/>
+          </a:p>
+        </p:txBody>
+      </p:sp>
+      <p:sp>
+        <p:nvSpPr>
+          <p:cNvPr id="3" name="Content Placeholder 2">
+            <a:extLst>
+              <a:ext uri="{FF2B5EF4-FFF2-40B4-BE49-F238E27FC236}">
+                <a16:creationId xmlns:a16="http://schemas.microsoft.com/office/drawing/2014/main" id="{76FB65FA-F583-BA03-06A2-89BF89DEBA0B}"/>
+              </a:ext>
+            </a:extLst>
+          </p:cNvPr>
+          <p:cNvSpPr>
+            <a:spLocks noGrp="1"/>
+          </p:cNvSpPr>
+          <p:nvPr>
+            <p:ph idx="1"/>
+          </p:nvPr>
+        </p:nvSpPr>
+        <p:spPr/>
+        <p:txBody>
+          <a:bodyPr/>
+          <a:lstStyle/>
+          <a:p>
             <a:r>
               <a:rPr lang="en-US" dirty="0"/>
-              <a:t>		</a:t>
-            </a:r>
-          </a:p>
-        </p:txBody>
-      </p:sp>
-      <p:sp>
-        <p:nvSpPr>
-          <p:cNvPr id="3" name="Content Placeholder 2">
-            <a:extLst>
-              <a:ext uri="{FF2B5EF4-FFF2-40B4-BE49-F238E27FC236}">
-                <a16:creationId xmlns:a16="http://schemas.microsoft.com/office/drawing/2014/main" id="{B7D7E63A-EA1E-99B1-637E-C1B9A0B3B81D}"/>
-              </a:ext>
-            </a:extLst>
-          </p:cNvPr>
-          <p:cNvSpPr>
-            <a:spLocks noGrp="1"/>
-          </p:cNvSpPr>
-          <p:nvPr>
-            <p:ph idx="1"/>
-          </p:nvPr>
-        </p:nvSpPr>
-        <p:spPr/>
-        <p:txBody>
-          <a:bodyPr/>
-          <a:lstStyle/>
+              <a:t>Both  the lines will select either one or all of the elements</a:t>
+            </a:r>
+          </a:p>
           <a:p>
             <a:r>
               <a:rPr lang="en-US" dirty="0"/>
-              <a:t>In previous approach, we were using stylesheet inside </a:t>
-            </a:r>
-            <a:r>
-              <a:rPr lang="en-US" dirty="0" err="1"/>
-              <a:t>javascript</a:t>
-            </a:r>
+              <a:t>$(”h1”)</a:t>
+            </a:r>
+          </a:p>
+          <a:p>
             <a:r>
               <a:rPr lang="en-US" dirty="0"/>
-              <a:t>. However this is not a good approach</a:t>
-            </a:r>
-          </a:p>
-          <a:p>
-            <a:r>
-              <a:rPr lang="en-US" dirty="0"/>
-              <a:t>Hence , we will create class in </a:t>
-            </a:r>
-            <a:r>
-              <a:rPr lang="en-US" dirty="0" err="1"/>
-              <a:t>stylesheet.css</a:t>
-            </a:r>
-            <a:r>
-              <a:rPr lang="en-US" dirty="0"/>
-              <a:t> and then call </a:t>
-            </a:r>
-            <a:r>
-              <a:rPr lang="en-US" dirty="0" err="1"/>
-              <a:t>jquery</a:t>
-            </a:r>
-            <a:r>
-              <a:rPr lang="en-US" dirty="0"/>
-              <a:t> method on classes.</a:t>
-            </a:r>
-          </a:p>
-          <a:p>
-            <a:r>
-              <a:rPr lang="en-US" dirty="0"/>
-              <a:t>Example</a:t>
-            </a:r>
-          </a:p>
-          <a:p>
-            <a:pPr lvl="1"/>
-            <a:r>
-              <a:rPr lang="en-US" dirty="0"/>
-              <a:t>$h1.addClass(“</a:t>
-            </a:r>
-            <a:r>
-              <a:rPr lang="en-US" dirty="0">
-                <a:solidFill>
-                  <a:srgbClr val="FF0000"/>
-                </a:solidFill>
-              </a:rPr>
-              <a:t>big-title</a:t>
-            </a:r>
-            <a:r>
-              <a:rPr lang="en-US" dirty="0"/>
-              <a:t> </a:t>
-            </a:r>
-            <a:r>
-              <a:rPr lang="en-US" dirty="0">
-                <a:solidFill>
-                  <a:srgbClr val="FF0000"/>
-                </a:solidFill>
-              </a:rPr>
-              <a:t>margin-50</a:t>
-            </a:r>
-            <a:r>
-              <a:rPr lang="en-US" dirty="0"/>
-              <a:t>”) //multi classes are separated by space</a:t>
-            </a:r>
-          </a:p>
-          <a:p>
-            <a:pPr lvl="1"/>
-            <a:endParaRPr lang="en-US" dirty="0"/>
+              <a:t>$(“button”)</a:t>
+            </a:r>
           </a:p>
         </p:txBody>
       </p:sp>
     </p:spTree>
     <p:extLst>
       <p:ext uri="{BB962C8B-B14F-4D97-AF65-F5344CB8AC3E}">
-        <p14:creationId xmlns:p14="http://schemas.microsoft.com/office/powerpoint/2010/main" val="2414394619"/>
+        <p14:creationId xmlns:p14="http://schemas.microsoft.com/office/powerpoint/2010/main" val="2880512462"/>
       </p:ext>
     </p:extLst>
   </p:cSld>
@@ -4089,7 +4096,7 @@
           <p:cNvPr id="2" name="Title 1">
             <a:extLst>
               <a:ext uri="{FF2B5EF4-FFF2-40B4-BE49-F238E27FC236}">
-                <a16:creationId xmlns:a16="http://schemas.microsoft.com/office/drawing/2014/main" id="{4AC181A6-F6A2-B666-DDAC-7811188B38BE}"/>
+                <a16:creationId xmlns:a16="http://schemas.microsoft.com/office/drawing/2014/main" id="{EA5AB9BE-5F64-9977-749D-0F17CF63113E}"/>
               </a:ext>
             </a:extLst>
           </p:cNvPr>
@@ -4098,6 +4105,171 @@
           </p:cNvSpPr>
           <p:nvPr>
             <p:ph type="title"/>
+          </p:nvPr>
+        </p:nvSpPr>
+        <p:spPr/>
+        <p:txBody>
+          <a:bodyPr/>
+          <a:lstStyle/>
+          <a:p>
+            <a:r>
+              <a:rPr lang="en-US" dirty="0"/>
+              <a:t>Rule:- separate style and </a:t>
+            </a:r>
+            <a:r>
+              <a:rPr lang="en-US" dirty="0" err="1"/>
+              <a:t>javascript</a:t>
+            </a:r>
+            <a:r>
+              <a:rPr lang="en-US" dirty="0"/>
+              <a:t>		</a:t>
+            </a:r>
+          </a:p>
+        </p:txBody>
+      </p:sp>
+      <p:sp>
+        <p:nvSpPr>
+          <p:cNvPr id="3" name="Content Placeholder 2">
+            <a:extLst>
+              <a:ext uri="{FF2B5EF4-FFF2-40B4-BE49-F238E27FC236}">
+                <a16:creationId xmlns:a16="http://schemas.microsoft.com/office/drawing/2014/main" id="{B7D7E63A-EA1E-99B1-637E-C1B9A0B3B81D}"/>
+              </a:ext>
+            </a:extLst>
+          </p:cNvPr>
+          <p:cNvSpPr>
+            <a:spLocks noGrp="1"/>
+          </p:cNvSpPr>
+          <p:nvPr>
+            <p:ph idx="1"/>
+          </p:nvPr>
+        </p:nvSpPr>
+        <p:spPr/>
+        <p:txBody>
+          <a:bodyPr/>
+          <a:lstStyle/>
+          <a:p>
+            <a:r>
+              <a:rPr lang="en-US" dirty="0"/>
+              <a:t>In previous approach, we were using stylesheet inside </a:t>
+            </a:r>
+            <a:r>
+              <a:rPr lang="en-US" dirty="0" err="1"/>
+              <a:t>javascript</a:t>
+            </a:r>
+            <a:r>
+              <a:rPr lang="en-US" dirty="0"/>
+              <a:t>. However this is not a good approach</a:t>
+            </a:r>
+          </a:p>
+          <a:p>
+            <a:r>
+              <a:rPr lang="en-US" dirty="0"/>
+              <a:t>Hence , we will create class in </a:t>
+            </a:r>
+            <a:r>
+              <a:rPr lang="en-US" dirty="0" err="1"/>
+              <a:t>stylesheet.css</a:t>
+            </a:r>
+            <a:r>
+              <a:rPr lang="en-US" dirty="0"/>
+              <a:t> and then call </a:t>
+            </a:r>
+            <a:r>
+              <a:rPr lang="en-US" dirty="0" err="1"/>
+              <a:t>jquery</a:t>
+            </a:r>
+            <a:r>
+              <a:rPr lang="en-US" dirty="0"/>
+              <a:t> method on classes.</a:t>
+            </a:r>
+          </a:p>
+          <a:p>
+            <a:r>
+              <a:rPr lang="en-US" dirty="0"/>
+              <a:t>Example</a:t>
+            </a:r>
+          </a:p>
+          <a:p>
+            <a:pPr lvl="1"/>
+            <a:r>
+              <a:rPr lang="en-US" dirty="0"/>
+              <a:t>$h1.addClass(“</a:t>
+            </a:r>
+            <a:r>
+              <a:rPr lang="en-US" dirty="0">
+                <a:solidFill>
+                  <a:srgbClr val="FF0000"/>
+                </a:solidFill>
+              </a:rPr>
+              <a:t>big-title</a:t>
+            </a:r>
+            <a:r>
+              <a:rPr lang="en-US" dirty="0"/>
+              <a:t> </a:t>
+            </a:r>
+            <a:r>
+              <a:rPr lang="en-US" dirty="0">
+                <a:solidFill>
+                  <a:srgbClr val="FF0000"/>
+                </a:solidFill>
+              </a:rPr>
+              <a:t>margin-50</a:t>
+            </a:r>
+            <a:r>
+              <a:rPr lang="en-US" dirty="0"/>
+              <a:t>”) //multi classes are separated by space</a:t>
+            </a:r>
+          </a:p>
+          <a:p>
+            <a:pPr lvl="1"/>
+            <a:endParaRPr lang="en-US" dirty="0"/>
+          </a:p>
+        </p:txBody>
+      </p:sp>
+    </p:spTree>
+    <p:extLst>
+      <p:ext uri="{BB962C8B-B14F-4D97-AF65-F5344CB8AC3E}">
+        <p14:creationId xmlns:p14="http://schemas.microsoft.com/office/powerpoint/2010/main" val="2414394619"/>
+      </p:ext>
+    </p:extLst>
+  </p:cSld>
+  <p:clrMapOvr>
+    <a:masterClrMapping/>
+  </p:clrMapOvr>
+</p:sld>
+</file>
+
+<file path=ppt/slides/slide7.xml><?xml version="1.0" encoding="utf-8"?>
+<p:sld xmlns:a="http://schemas.openxmlformats.org/drawingml/2006/main" xmlns:r="http://schemas.openxmlformats.org/officeDocument/2006/relationships" xmlns:p="http://schemas.openxmlformats.org/presentationml/2006/main">
+  <p:cSld>
+    <p:spTree>
+      <p:nvGrpSpPr>
+        <p:cNvPr id="1" name=""/>
+        <p:cNvGrpSpPr/>
+        <p:nvPr/>
+      </p:nvGrpSpPr>
+      <p:grpSpPr>
+        <a:xfrm>
+          <a:off x="0" y="0"/>
+          <a:ext cx="0" cy="0"/>
+          <a:chOff x="0" y="0"/>
+          <a:chExt cx="0" cy="0"/>
+        </a:xfrm>
+      </p:grpSpPr>
+      <p:sp>
+        <p:nvSpPr>
+          <p:cNvPr id="4" name="Title 3">
+            <a:extLst>
+              <a:ext uri="{FF2B5EF4-FFF2-40B4-BE49-F238E27FC236}">
+                <a16:creationId xmlns:a16="http://schemas.microsoft.com/office/drawing/2014/main" id="{FB98A634-E323-1D74-42BC-55E34A216BB4}"/>
+              </a:ext>
+            </a:extLst>
+          </p:cNvPr>
+          <p:cNvSpPr>
+            <a:spLocks noGrp="1"/>
+          </p:cNvSpPr>
+          <p:nvPr>
+            <p:ph type="ctrTitle"/>
           </p:nvPr>
         </p:nvSpPr>
         <p:spPr/>
@@ -4131,6 +4303,106 @@
       </p:sp>
       <p:sp>
         <p:nvSpPr>
+          <p:cNvPr id="5" name="Subtitle 4">
+            <a:extLst>
+              <a:ext uri="{FF2B5EF4-FFF2-40B4-BE49-F238E27FC236}">
+                <a16:creationId xmlns:a16="http://schemas.microsoft.com/office/drawing/2014/main" id="{9992C27C-6D91-4D15-A5D1-92D8417A1B29}"/>
+              </a:ext>
+            </a:extLst>
+          </p:cNvPr>
+          <p:cNvSpPr>
+            <a:spLocks noGrp="1"/>
+          </p:cNvSpPr>
+          <p:nvPr>
+            <p:ph type="subTitle" idx="1"/>
+          </p:nvPr>
+        </p:nvSpPr>
+        <p:spPr/>
+        <p:txBody>
+          <a:bodyPr/>
+          <a:lstStyle/>
+          <a:p>
+            <a:endParaRPr lang="en-US"/>
+          </a:p>
+        </p:txBody>
+      </p:sp>
+    </p:spTree>
+    <p:extLst>
+      <p:ext uri="{BB962C8B-B14F-4D97-AF65-F5344CB8AC3E}">
+        <p14:creationId xmlns:p14="http://schemas.microsoft.com/office/powerpoint/2010/main" val="2229177057"/>
+      </p:ext>
+    </p:extLst>
+  </p:cSld>
+  <p:clrMapOvr>
+    <a:masterClrMapping/>
+  </p:clrMapOvr>
+</p:sld>
+</file>
+
+<file path=ppt/slides/slide8.xml><?xml version="1.0" encoding="utf-8"?>
+<p:sld xmlns:a="http://schemas.openxmlformats.org/drawingml/2006/main" xmlns:r="http://schemas.openxmlformats.org/officeDocument/2006/relationships" xmlns:p="http://schemas.openxmlformats.org/presentationml/2006/main">
+  <p:cSld>
+    <p:spTree>
+      <p:nvGrpSpPr>
+        <p:cNvPr id="1" name=""/>
+        <p:cNvGrpSpPr/>
+        <p:nvPr/>
+      </p:nvGrpSpPr>
+      <p:grpSpPr>
+        <a:xfrm>
+          <a:off x="0" y="0"/>
+          <a:ext cx="0" cy="0"/>
+          <a:chOff x="0" y="0"/>
+          <a:chExt cx="0" cy="0"/>
+        </a:xfrm>
+      </p:grpSpPr>
+      <p:sp>
+        <p:nvSpPr>
+          <p:cNvPr id="2" name="Title 1">
+            <a:extLst>
+              <a:ext uri="{FF2B5EF4-FFF2-40B4-BE49-F238E27FC236}">
+                <a16:creationId xmlns:a16="http://schemas.microsoft.com/office/drawing/2014/main" id="{4AC181A6-F6A2-B666-DDAC-7811188B38BE}"/>
+              </a:ext>
+            </a:extLst>
+          </p:cNvPr>
+          <p:cNvSpPr>
+            <a:spLocks noGrp="1"/>
+          </p:cNvSpPr>
+          <p:nvPr>
+            <p:ph type="title"/>
+          </p:nvPr>
+        </p:nvSpPr>
+        <p:spPr/>
+        <p:txBody>
+          <a:bodyPr/>
+          <a:lstStyle/>
+          <a:p>
+            <a:r>
+              <a:rPr lang="en-US" dirty="0"/>
+              <a:t>Manipulating </a:t>
+            </a:r>
+            <a:r>
+              <a:rPr lang="en-US" dirty="0">
+                <a:solidFill>
+                  <a:srgbClr val="C00000"/>
+                </a:solidFill>
+              </a:rPr>
+              <a:t>text</a:t>
+            </a:r>
+            <a:r>
+              <a:rPr lang="en-US" dirty="0"/>
+              <a:t> with </a:t>
+            </a:r>
+            <a:r>
+              <a:rPr lang="en-US" dirty="0" err="1"/>
+              <a:t>jquery</a:t>
+            </a:r>
+            <a:endParaRPr lang="en-US" dirty="0"/>
+          </a:p>
+        </p:txBody>
+      </p:sp>
+      <p:sp>
+        <p:nvSpPr>
           <p:cNvPr id="3" name="Content Placeholder 2">
             <a:extLst>
               <a:ext uri="{FF2B5EF4-FFF2-40B4-BE49-F238E27FC236}">
@@ -4150,7 +4422,101 @@
           <a:bodyPr/>
           <a:lstStyle/>
           <a:p>
-            <a:endParaRPr lang="en-US"/>
+            <a:r>
+              <a:rPr lang="en-US" dirty="0">
+                <a:latin typeface="Arial" panose="020B0604020202020204" pitchFamily="34" charset="0"/>
+                <a:cs typeface="Arial" panose="020B0604020202020204" pitchFamily="34" charset="0"/>
+              </a:rPr>
+              <a:t>Two ways</a:t>
+            </a:r>
+          </a:p>
+          <a:p>
+            <a:pPr marL="914400" lvl="1" indent="-457200">
+              <a:buFont typeface="+mj-lt"/>
+              <a:buAutoNum type="arabicPeriod"/>
+            </a:pPr>
+            <a:r>
+              <a:rPr lang="en-US" dirty="0">
+                <a:latin typeface="Arial" panose="020B0604020202020204" pitchFamily="34" charset="0"/>
+                <a:cs typeface="Arial" panose="020B0604020202020204" pitchFamily="34" charset="0"/>
+              </a:rPr>
+              <a:t>By using  text method</a:t>
+            </a:r>
+          </a:p>
+          <a:p>
+            <a:pPr lvl="2"/>
+            <a:r>
+              <a:rPr lang="en-US" i="1" dirty="0">
+                <a:latin typeface="Arial" panose="020B0604020202020204" pitchFamily="34" charset="0"/>
+                <a:cs typeface="Arial" panose="020B0604020202020204" pitchFamily="34" charset="0"/>
+              </a:rPr>
+              <a:t>$("button").text("</a:t>
+            </a:r>
+            <a:r>
+              <a:rPr lang="en-US" i="1" dirty="0" err="1">
+                <a:latin typeface="Arial" panose="020B0604020202020204" pitchFamily="34" charset="0"/>
+                <a:cs typeface="Arial" panose="020B0604020202020204" pitchFamily="34" charset="0"/>
+              </a:rPr>
+              <a:t>Dont</a:t>
+            </a:r>
+            <a:r>
+              <a:rPr lang="en-US" i="1" dirty="0">
+                <a:latin typeface="Arial" panose="020B0604020202020204" pitchFamily="34" charset="0"/>
+                <a:cs typeface="Arial" panose="020B0604020202020204" pitchFamily="34" charset="0"/>
+              </a:rPr>
+              <a:t> click mee.");</a:t>
+            </a:r>
+          </a:p>
+          <a:p>
+            <a:pPr marL="914400" lvl="1" indent="-457200">
+              <a:buFont typeface="+mj-lt"/>
+              <a:buAutoNum type="arabicPeriod"/>
+            </a:pPr>
+            <a:r>
+              <a:rPr lang="en-US" dirty="0">
+                <a:latin typeface="Arial" panose="020B0604020202020204" pitchFamily="34" charset="0"/>
+                <a:cs typeface="Arial" panose="020B0604020202020204" pitchFamily="34" charset="0"/>
+              </a:rPr>
+              <a:t> By using html method</a:t>
+            </a:r>
+          </a:p>
+          <a:p>
+            <a:pPr lvl="2"/>
+            <a:r>
+              <a:rPr lang="en-US" i="1" dirty="0">
+                <a:latin typeface="Arial" panose="020B0604020202020204" pitchFamily="34" charset="0"/>
+                <a:cs typeface="Arial" panose="020B0604020202020204" pitchFamily="34" charset="0"/>
+              </a:rPr>
+              <a:t> $("button").html("&lt;</a:t>
+            </a:r>
+            <a:r>
+              <a:rPr lang="en-US" i="1" dirty="0" err="1">
+                <a:latin typeface="Arial" panose="020B0604020202020204" pitchFamily="34" charset="0"/>
+                <a:cs typeface="Arial" panose="020B0604020202020204" pitchFamily="34" charset="0"/>
+              </a:rPr>
+              <a:t>br</a:t>
+            </a:r>
+            <a:r>
+              <a:rPr lang="en-US" i="1" dirty="0">
+                <a:latin typeface="Arial" panose="020B0604020202020204" pitchFamily="34" charset="0"/>
+                <a:cs typeface="Arial" panose="020B0604020202020204" pitchFamily="34" charset="0"/>
+              </a:rPr>
+              <a:t>/&gt;Hey&lt;</a:t>
+            </a:r>
+            <a:r>
+              <a:rPr lang="en-US" i="1" dirty="0" err="1">
+                <a:latin typeface="Arial" panose="020B0604020202020204" pitchFamily="34" charset="0"/>
+                <a:cs typeface="Arial" panose="020B0604020202020204" pitchFamily="34" charset="0"/>
+              </a:rPr>
+              <a:t>br</a:t>
+            </a:r>
+            <a:r>
+              <a:rPr lang="en-US" i="1" dirty="0">
+                <a:latin typeface="Arial" panose="020B0604020202020204" pitchFamily="34" charset="0"/>
+                <a:cs typeface="Arial" panose="020B0604020202020204" pitchFamily="34" charset="0"/>
+              </a:rPr>
+              <a:t>/&gt;")</a:t>
+            </a:r>
           </a:p>
         </p:txBody>
       </p:sp>
@@ -4158,6 +4524,106 @@
     <p:extLst>
       <p:ext uri="{BB962C8B-B14F-4D97-AF65-F5344CB8AC3E}">
         <p14:creationId xmlns:p14="http://schemas.microsoft.com/office/powerpoint/2010/main" val="2135691461"/>
+      </p:ext>
+    </p:extLst>
+  </p:cSld>
+  <p:clrMapOvr>
+    <a:masterClrMapping/>
+  </p:clrMapOvr>
+</p:sld>
+</file>
+
+<file path=ppt/slides/slide9.xml><?xml version="1.0" encoding="utf-8"?>
+<p:sld xmlns:a="http://schemas.openxmlformats.org/drawingml/2006/main" xmlns:r="http://schemas.openxmlformats.org/officeDocument/2006/relationships" xmlns:p="http://schemas.openxmlformats.org/presentationml/2006/main">
+  <p:cSld>
+    <p:spTree>
+      <p:nvGrpSpPr>
+        <p:cNvPr id="1" name=""/>
+        <p:cNvGrpSpPr/>
+        <p:nvPr/>
+      </p:nvGrpSpPr>
+      <p:grpSpPr>
+        <a:xfrm>
+          <a:off x="0" y="0"/>
+          <a:ext cx="0" cy="0"/>
+          <a:chOff x="0" y="0"/>
+          <a:chExt cx="0" cy="0"/>
+        </a:xfrm>
+      </p:grpSpPr>
+      <p:sp>
+        <p:nvSpPr>
+          <p:cNvPr id="4" name="Title 3">
+            <a:extLst>
+              <a:ext uri="{FF2B5EF4-FFF2-40B4-BE49-F238E27FC236}">
+                <a16:creationId xmlns:a16="http://schemas.microsoft.com/office/drawing/2014/main" id="{FB98A634-E323-1D74-42BC-55E34A216BB4}"/>
+              </a:ext>
+            </a:extLst>
+          </p:cNvPr>
+          <p:cNvSpPr>
+            <a:spLocks noGrp="1"/>
+          </p:cNvSpPr>
+          <p:nvPr>
+            <p:ph type="ctrTitle"/>
+          </p:nvPr>
+        </p:nvSpPr>
+        <p:spPr/>
+        <p:txBody>
+          <a:bodyPr/>
+          <a:lstStyle/>
+          <a:p>
+            <a:r>
+              <a:rPr lang="en-US" dirty="0"/>
+              <a:t>Manipulating </a:t>
+            </a:r>
+            <a:r>
+              <a:rPr lang="en-US" dirty="0">
+                <a:solidFill>
+                  <a:srgbClr val="C00000"/>
+                </a:solidFill>
+              </a:rPr>
+              <a:t>attributes</a:t>
+            </a:r>
+            <a:r>
+              <a:rPr lang="en-US" dirty="0"/>
+              <a:t> with </a:t>
+            </a:r>
+            <a:r>
+              <a:rPr lang="en-US" dirty="0" err="1"/>
+              <a:t>jquery</a:t>
+            </a:r>
+            <a:endParaRPr lang="en-US" dirty="0"/>
+          </a:p>
+        </p:txBody>
+      </p:sp>
+      <p:sp>
+        <p:nvSpPr>
+          <p:cNvPr id="5" name="Subtitle 4">
+            <a:extLst>
+              <a:ext uri="{FF2B5EF4-FFF2-40B4-BE49-F238E27FC236}">
+                <a16:creationId xmlns:a16="http://schemas.microsoft.com/office/drawing/2014/main" id="{9992C27C-6D91-4D15-A5D1-92D8417A1B29}"/>
+              </a:ext>
+            </a:extLst>
+          </p:cNvPr>
+          <p:cNvSpPr>
+            <a:spLocks noGrp="1"/>
+          </p:cNvSpPr>
+          <p:nvPr>
+            <p:ph type="subTitle" idx="1"/>
+          </p:nvPr>
+        </p:nvSpPr>
+        <p:spPr/>
+        <p:txBody>
+          <a:bodyPr/>
+          <a:lstStyle/>
+          <a:p>
+            <a:endParaRPr lang="en-US"/>
+          </a:p>
+        </p:txBody>
+      </p:sp>
+    </p:spTree>
+    <p:extLst>
+      <p:ext uri="{BB962C8B-B14F-4D97-AF65-F5344CB8AC3E}">
+        <p14:creationId xmlns:p14="http://schemas.microsoft.com/office/powerpoint/2010/main" val="312904044"/>
       </p:ext>
     </p:extLst>
   </p:cSld>

--- a/Presentations/Section14_Jquery.pptx
+++ b/Presentations/Section14_Jquery.pptx
@@ -15,6 +15,10 @@
     <p:sldId id="261" r:id="rId9"/>
     <p:sldId id="265" r:id="rId10"/>
     <p:sldId id="266" r:id="rId11"/>
+    <p:sldId id="267" r:id="rId12"/>
+    <p:sldId id="268" r:id="rId13"/>
+    <p:sldId id="270" r:id="rId14"/>
+    <p:sldId id="269" r:id="rId15"/>
   </p:sldIdLst>
   <p:sldSz cx="12192000" cy="6858000"/>
   <p:notesSz cx="6858000" cy="9144000"/>
@@ -3497,7 +3501,92 @@
           <a:bodyPr/>
           <a:lstStyle/>
           <a:p>
-            <a:endParaRPr lang="en-US"/>
+            <a:pPr marL="914400" lvl="1" indent="-457200">
+              <a:buFont typeface="+mj-lt"/>
+              <a:buAutoNum type="arabicPeriod"/>
+            </a:pPr>
+            <a:r>
+              <a:rPr lang="en-US" dirty="0"/>
+              <a:t>To change the attribute</a:t>
+            </a:r>
+          </a:p>
+          <a:p>
+            <a:pPr marL="1371600" lvl="2" indent="-457200">
+              <a:buFont typeface="+mj-lt"/>
+              <a:buAutoNum type="arabicPeriod"/>
+            </a:pPr>
+            <a:r>
+              <a:rPr lang="en-US" sz="1800" i="1" dirty="0"/>
+              <a:t> $("a").</a:t>
+            </a:r>
+            <a:r>
+              <a:rPr lang="en-US" sz="1800" i="1" dirty="0" err="1"/>
+              <a:t>attr</a:t>
+            </a:r>
+            <a:r>
+              <a:rPr lang="en-US" sz="1800" i="1" dirty="0"/>
+              <a:t>("</a:t>
+            </a:r>
+            <a:r>
+              <a:rPr lang="en-US" sz="1800" i="1" dirty="0" err="1"/>
+              <a:t>href</a:t>
+            </a:r>
+            <a:r>
+              <a:rPr lang="en-US" sz="1800" i="1" dirty="0"/>
+              <a:t>","https://</a:t>
+            </a:r>
+            <a:r>
+              <a:rPr lang="en-US" sz="1800" i="1" dirty="0" err="1"/>
+              <a:t>www.yahoo.com</a:t>
+            </a:r>
+            <a:r>
+              <a:rPr lang="en-US" sz="1800" i="1" dirty="0"/>
+              <a:t>"); </a:t>
+            </a:r>
+            <a:r>
+              <a:rPr lang="en-US" dirty="0"/>
+              <a:t>//change from google to yahoo</a:t>
+            </a:r>
+          </a:p>
+          <a:p>
+            <a:pPr marL="914400" lvl="1" indent="-457200">
+              <a:buFont typeface="+mj-lt"/>
+              <a:buAutoNum type="arabicPeriod"/>
+            </a:pPr>
+            <a:r>
+              <a:rPr lang="en-US" dirty="0"/>
+              <a:t>To get the value of attribute</a:t>
+            </a:r>
+          </a:p>
+          <a:p>
+            <a:pPr marL="1371600" lvl="2" indent="-457200">
+              <a:buFont typeface="+mj-lt"/>
+              <a:buAutoNum type="arabicPeriod"/>
+            </a:pPr>
+            <a:r>
+              <a:rPr lang="en-US" sz="1800" dirty="0"/>
+              <a:t> </a:t>
+            </a:r>
+            <a:r>
+              <a:rPr lang="en-US" sz="1800" i="1" dirty="0"/>
+              <a:t>$("a").</a:t>
+            </a:r>
+            <a:r>
+              <a:rPr lang="en-US" sz="1800" i="1" dirty="0" err="1"/>
+              <a:t>attr</a:t>
+            </a:r>
+            <a:r>
+              <a:rPr lang="en-US" sz="1800" i="1" dirty="0"/>
+              <a:t>("</a:t>
+            </a:r>
+            <a:r>
+              <a:rPr lang="en-US" sz="1800" i="1" dirty="0" err="1"/>
+              <a:t>href</a:t>
+            </a:r>
+            <a:r>
+              <a:rPr lang="en-US" sz="1800" i="1" dirty="0"/>
+              <a:t>");</a:t>
+            </a:r>
           </a:p>
         </p:txBody>
       </p:sp>
@@ -3505,6 +3594,1112 @@
     <p:extLst>
       <p:ext uri="{BB962C8B-B14F-4D97-AF65-F5344CB8AC3E}">
         <p14:creationId xmlns:p14="http://schemas.microsoft.com/office/powerpoint/2010/main" val="3715626717"/>
+      </p:ext>
+    </p:extLst>
+  </p:cSld>
+  <p:clrMapOvr>
+    <a:masterClrMapping/>
+  </p:clrMapOvr>
+</p:sld>
+</file>
+
+<file path=ppt/slides/slide11.xml><?xml version="1.0" encoding="utf-8"?>
+<p:sld xmlns:a="http://schemas.openxmlformats.org/drawingml/2006/main" xmlns:r="http://schemas.openxmlformats.org/officeDocument/2006/relationships" xmlns:p="http://schemas.openxmlformats.org/presentationml/2006/main">
+  <p:cSld>
+    <p:spTree>
+      <p:nvGrpSpPr>
+        <p:cNvPr id="1" name=""/>
+        <p:cNvGrpSpPr/>
+        <p:nvPr/>
+      </p:nvGrpSpPr>
+      <p:grpSpPr>
+        <a:xfrm>
+          <a:off x="0" y="0"/>
+          <a:ext cx="0" cy="0"/>
+          <a:chOff x="0" y="0"/>
+          <a:chExt cx="0" cy="0"/>
+        </a:xfrm>
+      </p:grpSpPr>
+      <p:sp>
+        <p:nvSpPr>
+          <p:cNvPr id="4" name="Title 3">
+            <a:extLst>
+              <a:ext uri="{FF2B5EF4-FFF2-40B4-BE49-F238E27FC236}">
+                <a16:creationId xmlns:a16="http://schemas.microsoft.com/office/drawing/2014/main" id="{FB98A634-E323-1D74-42BC-55E34A216BB4}"/>
+              </a:ext>
+            </a:extLst>
+          </p:cNvPr>
+          <p:cNvSpPr>
+            <a:spLocks noGrp="1"/>
+          </p:cNvSpPr>
+          <p:nvPr>
+            <p:ph type="ctrTitle"/>
+          </p:nvPr>
+        </p:nvSpPr>
+        <p:spPr/>
+        <p:txBody>
+          <a:bodyPr/>
+          <a:lstStyle/>
+          <a:p>
+            <a:r>
+              <a:rPr lang="en-US" dirty="0"/>
+              <a:t>Adding </a:t>
+            </a:r>
+            <a:r>
+              <a:rPr lang="en-US" dirty="0">
+                <a:solidFill>
+                  <a:srgbClr val="C00000"/>
+                </a:solidFill>
+              </a:rPr>
+              <a:t>event listener</a:t>
+            </a:r>
+            <a:r>
+              <a:rPr lang="en-US" dirty="0"/>
+              <a:t> with </a:t>
+            </a:r>
+            <a:r>
+              <a:rPr lang="en-US" dirty="0" err="1"/>
+              <a:t>jquery</a:t>
+            </a:r>
+            <a:endParaRPr lang="en-US" dirty="0"/>
+          </a:p>
+        </p:txBody>
+      </p:sp>
+      <p:sp>
+        <p:nvSpPr>
+          <p:cNvPr id="5" name="Subtitle 4">
+            <a:extLst>
+              <a:ext uri="{FF2B5EF4-FFF2-40B4-BE49-F238E27FC236}">
+                <a16:creationId xmlns:a16="http://schemas.microsoft.com/office/drawing/2014/main" id="{9992C27C-6D91-4D15-A5D1-92D8417A1B29}"/>
+              </a:ext>
+            </a:extLst>
+          </p:cNvPr>
+          <p:cNvSpPr>
+            <a:spLocks noGrp="1"/>
+          </p:cNvSpPr>
+          <p:nvPr>
+            <p:ph type="subTitle" idx="1"/>
+          </p:nvPr>
+        </p:nvSpPr>
+        <p:spPr/>
+        <p:txBody>
+          <a:bodyPr/>
+          <a:lstStyle/>
+          <a:p>
+            <a:endParaRPr lang="en-US" dirty="0"/>
+          </a:p>
+        </p:txBody>
+      </p:sp>
+    </p:spTree>
+    <p:extLst>
+      <p:ext uri="{BB962C8B-B14F-4D97-AF65-F5344CB8AC3E}">
+        <p14:creationId xmlns:p14="http://schemas.microsoft.com/office/powerpoint/2010/main" val="3793924910"/>
+      </p:ext>
+    </p:extLst>
+  </p:cSld>
+  <p:clrMapOvr>
+    <a:masterClrMapping/>
+  </p:clrMapOvr>
+</p:sld>
+</file>
+
+<file path=ppt/slides/slide12.xml><?xml version="1.0" encoding="utf-8"?>
+<p:sld xmlns:a="http://schemas.openxmlformats.org/drawingml/2006/main" xmlns:r="http://schemas.openxmlformats.org/officeDocument/2006/relationships" xmlns:p="http://schemas.openxmlformats.org/presentationml/2006/main">
+  <p:cSld>
+    <p:spTree>
+      <p:nvGrpSpPr>
+        <p:cNvPr id="1" name=""/>
+        <p:cNvGrpSpPr/>
+        <p:nvPr/>
+      </p:nvGrpSpPr>
+      <p:grpSpPr>
+        <a:xfrm>
+          <a:off x="0" y="0"/>
+          <a:ext cx="0" cy="0"/>
+          <a:chOff x="0" y="0"/>
+          <a:chExt cx="0" cy="0"/>
+        </a:xfrm>
+      </p:grpSpPr>
+      <p:sp>
+        <p:nvSpPr>
+          <p:cNvPr id="2" name="Title 1">
+            <a:extLst>
+              <a:ext uri="{FF2B5EF4-FFF2-40B4-BE49-F238E27FC236}">
+                <a16:creationId xmlns:a16="http://schemas.microsoft.com/office/drawing/2014/main" id="{1778FEF5-F016-5F9F-C3D3-CBE1698B8C97}"/>
+              </a:ext>
+            </a:extLst>
+          </p:cNvPr>
+          <p:cNvSpPr>
+            <a:spLocks noGrp="1"/>
+          </p:cNvSpPr>
+          <p:nvPr>
+            <p:ph type="title"/>
+          </p:nvPr>
+        </p:nvSpPr>
+        <p:spPr>
+          <a:xfrm>
+            <a:off x="11288888" y="2596445"/>
+            <a:ext cx="64911" cy="1404850"/>
+          </a:xfrm>
+        </p:spPr>
+        <p:txBody>
+          <a:bodyPr/>
+          <a:lstStyle/>
+          <a:p>
+            <a:endParaRPr lang="en-US" dirty="0"/>
+          </a:p>
+        </p:txBody>
+      </p:sp>
+      <p:sp>
+        <p:nvSpPr>
+          <p:cNvPr id="3" name="Content Placeholder 2">
+            <a:extLst>
+              <a:ext uri="{FF2B5EF4-FFF2-40B4-BE49-F238E27FC236}">
+                <a16:creationId xmlns:a16="http://schemas.microsoft.com/office/drawing/2014/main" id="{36DB7243-B605-5F08-5CF8-CFD422A9F221}"/>
+              </a:ext>
+            </a:extLst>
+          </p:cNvPr>
+          <p:cNvSpPr>
+            <a:spLocks noGrp="1"/>
+          </p:cNvSpPr>
+          <p:nvPr>
+            <p:ph idx="1"/>
+          </p:nvPr>
+        </p:nvSpPr>
+        <p:spPr>
+          <a:xfrm>
+            <a:off x="375356" y="301625"/>
+            <a:ext cx="10515600" cy="782108"/>
+          </a:xfrm>
+        </p:spPr>
+        <p:txBody>
+          <a:bodyPr/>
+          <a:lstStyle/>
+          <a:p>
+            <a:r>
+              <a:rPr lang="en-US" dirty="0"/>
+              <a:t>Traditional way</a:t>
+            </a:r>
+          </a:p>
+          <a:p>
+            <a:endParaRPr lang="en-US" dirty="0"/>
+          </a:p>
+        </p:txBody>
+      </p:sp>
+      <p:sp>
+        <p:nvSpPr>
+          <p:cNvPr id="4" name="TextBox 3">
+            <a:extLst>
+              <a:ext uri="{FF2B5EF4-FFF2-40B4-BE49-F238E27FC236}">
+                <a16:creationId xmlns:a16="http://schemas.microsoft.com/office/drawing/2014/main" id="{910EE50D-ADDD-6A9E-780D-25D3351CCCD3}"/>
+              </a:ext>
+            </a:extLst>
+          </p:cNvPr>
+          <p:cNvSpPr txBox="1"/>
+          <p:nvPr/>
+        </p:nvSpPr>
+        <p:spPr>
+          <a:xfrm>
+            <a:off x="632178" y="948267"/>
+            <a:ext cx="10515600" cy="2031325"/>
+          </a:xfrm>
+          <a:prstGeom prst="rect">
+            <a:avLst/>
+          </a:prstGeom>
+          <a:noFill/>
+        </p:spPr>
+        <p:txBody>
+          <a:bodyPr wrap="square" rtlCol="0">
+            <a:spAutoFit/>
+          </a:bodyPr>
+          <a:lstStyle/>
+          <a:p>
+            <a:r>
+              <a:rPr lang="en-US" dirty="0"/>
+              <a:t>for(var </a:t>
+            </a:r>
+            <a:r>
+              <a:rPr lang="en-US" dirty="0" err="1"/>
+              <a:t>i</a:t>
+            </a:r>
+            <a:r>
+              <a:rPr lang="en-US" dirty="0"/>
+              <a:t>=0;i&lt;5;i++)</a:t>
+            </a:r>
+          </a:p>
+          <a:p>
+            <a:r>
+              <a:rPr lang="en-US" dirty="0"/>
+              <a:t>	{</a:t>
+            </a:r>
+          </a:p>
+          <a:p>
+            <a:r>
+              <a:rPr lang="en-US" dirty="0"/>
+              <a:t>    </a:t>
+            </a:r>
+            <a:r>
+              <a:rPr lang="en-US" dirty="0" err="1"/>
+              <a:t>document.querySelectorAll</a:t>
+            </a:r>
+            <a:r>
+              <a:rPr lang="en-US" dirty="0"/>
+              <a:t>("button")[</a:t>
+            </a:r>
+            <a:r>
+              <a:rPr lang="en-US" dirty="0" err="1"/>
+              <a:t>i</a:t>
+            </a:r>
+            <a:r>
+              <a:rPr lang="en-US" dirty="0"/>
+              <a:t>].</a:t>
+            </a:r>
+            <a:r>
+              <a:rPr lang="en-US" dirty="0" err="1"/>
+              <a:t>addEventListener</a:t>
+            </a:r>
+            <a:r>
+              <a:rPr lang="en-US" dirty="0"/>
+              <a:t>("</a:t>
+            </a:r>
+            <a:r>
+              <a:rPr lang="en-US" dirty="0" err="1"/>
+              <a:t>click",function</a:t>
+            </a:r>
+            <a:r>
+              <a:rPr lang="en-US" dirty="0"/>
+              <a:t>(){</a:t>
+            </a:r>
+          </a:p>
+          <a:p>
+            <a:r>
+              <a:rPr lang="en-US" dirty="0"/>
+              <a:t>        </a:t>
+            </a:r>
+            <a:r>
+              <a:rPr lang="en-US" dirty="0" err="1"/>
+              <a:t>document.querySelector</a:t>
+            </a:r>
+            <a:r>
+              <a:rPr lang="en-US" dirty="0"/>
+              <a:t>(“h1”).</a:t>
+            </a:r>
+            <a:r>
+              <a:rPr lang="en-US" dirty="0" err="1"/>
+              <a:t>style.color</a:t>
+            </a:r>
+            <a:r>
+              <a:rPr lang="en-US" dirty="0"/>
+              <a:t>=“purple”;</a:t>
+            </a:r>
+          </a:p>
+          <a:p>
+            <a:r>
+              <a:rPr lang="en-US" dirty="0"/>
+              <a:t>      });</a:t>
+            </a:r>
+          </a:p>
+          <a:p>
+            <a:r>
+              <a:rPr lang="en-US" dirty="0"/>
+              <a:t>};</a:t>
+            </a:r>
+          </a:p>
+          <a:p>
+            <a:endParaRPr lang="en-US" dirty="0"/>
+          </a:p>
+        </p:txBody>
+      </p:sp>
+      <p:sp>
+        <p:nvSpPr>
+          <p:cNvPr id="5" name="Content Placeholder 2">
+            <a:extLst>
+              <a:ext uri="{FF2B5EF4-FFF2-40B4-BE49-F238E27FC236}">
+                <a16:creationId xmlns:a16="http://schemas.microsoft.com/office/drawing/2014/main" id="{B9B22A6F-ED57-EF9E-74BA-59DC32715810}"/>
+              </a:ext>
+            </a:extLst>
+          </p:cNvPr>
+          <p:cNvSpPr txBox="1">
+            <a:spLocks/>
+          </p:cNvSpPr>
+          <p:nvPr/>
+        </p:nvSpPr>
+        <p:spPr>
+          <a:xfrm>
+            <a:off x="471311" y="2907816"/>
+            <a:ext cx="10515600" cy="782108"/>
+          </a:xfrm>
+          <a:prstGeom prst="rect">
+            <a:avLst/>
+          </a:prstGeom>
+        </p:spPr>
+        <p:txBody>
+          <a:bodyPr vert="horz" lIns="91440" tIns="45720" rIns="91440" bIns="45720" rtlCol="0">
+            <a:normAutofit/>
+          </a:bodyPr>
+          <a:lstStyle>
+            <a:lvl1pPr marL="228600" indent="-228600" algn="l" defTabSz="914400" rtl="0" eaLnBrk="1" latinLnBrk="0" hangingPunct="1">
+              <a:lnSpc>
+                <a:spcPct val="90000"/>
+              </a:lnSpc>
+              <a:spcBef>
+                <a:spcPts val="1000"/>
+              </a:spcBef>
+              <a:buFont typeface="Arial" panose="020B0604020202020204" pitchFamily="34" charset="0"/>
+              <a:buChar char="•"/>
+              <a:defRPr sz="2800" kern="1200">
+                <a:solidFill>
+                  <a:schemeClr val="tx1"/>
+                </a:solidFill>
+                <a:latin typeface="+mn-lt"/>
+                <a:ea typeface="+mn-ea"/>
+                <a:cs typeface="+mn-cs"/>
+              </a:defRPr>
+            </a:lvl1pPr>
+            <a:lvl2pPr marL="685800" indent="-228600" algn="l" defTabSz="914400" rtl="0" eaLnBrk="1" latinLnBrk="0" hangingPunct="1">
+              <a:lnSpc>
+                <a:spcPct val="90000"/>
+              </a:lnSpc>
+              <a:spcBef>
+                <a:spcPts val="500"/>
+              </a:spcBef>
+              <a:buFont typeface="Arial" panose="020B0604020202020204" pitchFamily="34" charset="0"/>
+              <a:buChar char="•"/>
+              <a:defRPr sz="2400" kern="1200">
+                <a:solidFill>
+                  <a:schemeClr val="tx1"/>
+                </a:solidFill>
+                <a:latin typeface="+mn-lt"/>
+                <a:ea typeface="+mn-ea"/>
+                <a:cs typeface="+mn-cs"/>
+              </a:defRPr>
+            </a:lvl2pPr>
+            <a:lvl3pPr marL="1143000" indent="-228600" algn="l" defTabSz="914400" rtl="0" eaLnBrk="1" latinLnBrk="0" hangingPunct="1">
+              <a:lnSpc>
+                <a:spcPct val="90000"/>
+              </a:lnSpc>
+              <a:spcBef>
+                <a:spcPts val="500"/>
+              </a:spcBef>
+              <a:buFont typeface="Arial" panose="020B0604020202020204" pitchFamily="34" charset="0"/>
+              <a:buChar char="•"/>
+              <a:defRPr sz="2000" kern="1200">
+                <a:solidFill>
+                  <a:schemeClr val="tx1"/>
+                </a:solidFill>
+                <a:latin typeface="+mn-lt"/>
+                <a:ea typeface="+mn-ea"/>
+                <a:cs typeface="+mn-cs"/>
+              </a:defRPr>
+            </a:lvl3pPr>
+            <a:lvl4pPr marL="1600200" indent="-228600" algn="l" defTabSz="914400" rtl="0" eaLnBrk="1" latinLnBrk="0" hangingPunct="1">
+              <a:lnSpc>
+                <a:spcPct val="90000"/>
+              </a:lnSpc>
+              <a:spcBef>
+                <a:spcPts val="500"/>
+              </a:spcBef>
+              <a:buFont typeface="Arial" panose="020B0604020202020204" pitchFamily="34" charset="0"/>
+              <a:buChar char="•"/>
+              <a:defRPr sz="1800" kern="1200">
+                <a:solidFill>
+                  <a:schemeClr val="tx1"/>
+                </a:solidFill>
+                <a:latin typeface="+mn-lt"/>
+                <a:ea typeface="+mn-ea"/>
+                <a:cs typeface="+mn-cs"/>
+              </a:defRPr>
+            </a:lvl4pPr>
+            <a:lvl5pPr marL="2057400" indent="-228600" algn="l" defTabSz="914400" rtl="0" eaLnBrk="1" latinLnBrk="0" hangingPunct="1">
+              <a:lnSpc>
+                <a:spcPct val="90000"/>
+              </a:lnSpc>
+              <a:spcBef>
+                <a:spcPts val="500"/>
+              </a:spcBef>
+              <a:buFont typeface="Arial" panose="020B0604020202020204" pitchFamily="34" charset="0"/>
+              <a:buChar char="•"/>
+              <a:defRPr sz="1800" kern="1200">
+                <a:solidFill>
+                  <a:schemeClr val="tx1"/>
+                </a:solidFill>
+                <a:latin typeface="+mn-lt"/>
+                <a:ea typeface="+mn-ea"/>
+                <a:cs typeface="+mn-cs"/>
+              </a:defRPr>
+            </a:lvl5pPr>
+            <a:lvl6pPr marL="2514600" indent="-228600" algn="l" defTabSz="914400" rtl="0" eaLnBrk="1" latinLnBrk="0" hangingPunct="1">
+              <a:lnSpc>
+                <a:spcPct val="90000"/>
+              </a:lnSpc>
+              <a:spcBef>
+                <a:spcPts val="500"/>
+              </a:spcBef>
+              <a:buFont typeface="Arial" panose="020B0604020202020204" pitchFamily="34" charset="0"/>
+              <a:buChar char="•"/>
+              <a:defRPr sz="1800" kern="1200">
+                <a:solidFill>
+                  <a:schemeClr val="tx1"/>
+                </a:solidFill>
+                <a:latin typeface="+mn-lt"/>
+                <a:ea typeface="+mn-ea"/>
+                <a:cs typeface="+mn-cs"/>
+              </a:defRPr>
+            </a:lvl6pPr>
+            <a:lvl7pPr marL="2971800" indent="-228600" algn="l" defTabSz="914400" rtl="0" eaLnBrk="1" latinLnBrk="0" hangingPunct="1">
+              <a:lnSpc>
+                <a:spcPct val="90000"/>
+              </a:lnSpc>
+              <a:spcBef>
+                <a:spcPts val="500"/>
+              </a:spcBef>
+              <a:buFont typeface="Arial" panose="020B0604020202020204" pitchFamily="34" charset="0"/>
+              <a:buChar char="•"/>
+              <a:defRPr sz="1800" kern="1200">
+                <a:solidFill>
+                  <a:schemeClr val="tx1"/>
+                </a:solidFill>
+                <a:latin typeface="+mn-lt"/>
+                <a:ea typeface="+mn-ea"/>
+                <a:cs typeface="+mn-cs"/>
+              </a:defRPr>
+            </a:lvl7pPr>
+            <a:lvl8pPr marL="3429000" indent="-228600" algn="l" defTabSz="914400" rtl="0" eaLnBrk="1" latinLnBrk="0" hangingPunct="1">
+              <a:lnSpc>
+                <a:spcPct val="90000"/>
+              </a:lnSpc>
+              <a:spcBef>
+                <a:spcPts val="500"/>
+              </a:spcBef>
+              <a:buFont typeface="Arial" panose="020B0604020202020204" pitchFamily="34" charset="0"/>
+              <a:buChar char="•"/>
+              <a:defRPr sz="1800" kern="1200">
+                <a:solidFill>
+                  <a:schemeClr val="tx1"/>
+                </a:solidFill>
+                <a:latin typeface="+mn-lt"/>
+                <a:ea typeface="+mn-ea"/>
+                <a:cs typeface="+mn-cs"/>
+              </a:defRPr>
+            </a:lvl8pPr>
+            <a:lvl9pPr marL="3886200" indent="-228600" algn="l" defTabSz="914400" rtl="0" eaLnBrk="1" latinLnBrk="0" hangingPunct="1">
+              <a:lnSpc>
+                <a:spcPct val="90000"/>
+              </a:lnSpc>
+              <a:spcBef>
+                <a:spcPts val="500"/>
+              </a:spcBef>
+              <a:buFont typeface="Arial" panose="020B0604020202020204" pitchFamily="34" charset="0"/>
+              <a:buChar char="•"/>
+              <a:defRPr sz="1800" kern="1200">
+                <a:solidFill>
+                  <a:schemeClr val="tx1"/>
+                </a:solidFill>
+                <a:latin typeface="+mn-lt"/>
+                <a:ea typeface="+mn-ea"/>
+                <a:cs typeface="+mn-cs"/>
+              </a:defRPr>
+            </a:lvl9pPr>
+          </a:lstStyle>
+          <a:p>
+            <a:r>
+              <a:rPr lang="en-US" dirty="0" err="1"/>
+              <a:t>Jquery</a:t>
+            </a:r>
+            <a:r>
+              <a:rPr lang="en-US" dirty="0"/>
+              <a:t> Way for click</a:t>
+            </a:r>
+          </a:p>
+          <a:p>
+            <a:endParaRPr lang="en-US" dirty="0"/>
+          </a:p>
+        </p:txBody>
+      </p:sp>
+      <p:sp>
+        <p:nvSpPr>
+          <p:cNvPr id="8" name="TextBox 7">
+            <a:extLst>
+              <a:ext uri="{FF2B5EF4-FFF2-40B4-BE49-F238E27FC236}">
+                <a16:creationId xmlns:a16="http://schemas.microsoft.com/office/drawing/2014/main" id="{906C4646-E499-ABBC-C6A0-CB6DB4406662}"/>
+              </a:ext>
+            </a:extLst>
+          </p:cNvPr>
+          <p:cNvSpPr txBox="1"/>
+          <p:nvPr/>
+        </p:nvSpPr>
+        <p:spPr>
+          <a:xfrm>
+            <a:off x="1095022" y="3689924"/>
+            <a:ext cx="6096000" cy="2585323"/>
+          </a:xfrm>
+          <a:prstGeom prst="rect">
+            <a:avLst/>
+          </a:prstGeom>
+          <a:noFill/>
+        </p:spPr>
+        <p:txBody>
+          <a:bodyPr wrap="square">
+            <a:spAutoFit/>
+          </a:bodyPr>
+          <a:lstStyle/>
+          <a:p>
+            <a:r>
+              <a:rPr lang="en-US" dirty="0"/>
+              <a:t>$(document).ready(function(){</a:t>
+            </a:r>
+          </a:p>
+          <a:p>
+            <a:endParaRPr lang="en-US" dirty="0"/>
+          </a:p>
+          <a:p>
+            <a:r>
+              <a:rPr lang="en-US" dirty="0"/>
+              <a:t>  $("a").</a:t>
+            </a:r>
+            <a:r>
+              <a:rPr lang="en-US" dirty="0" err="1"/>
+              <a:t>attr</a:t>
+            </a:r>
+            <a:r>
+              <a:rPr lang="en-US" dirty="0"/>
+              <a:t>("</a:t>
+            </a:r>
+            <a:r>
+              <a:rPr lang="en-US" dirty="0" err="1"/>
+              <a:t>href</a:t>
+            </a:r>
+            <a:r>
+              <a:rPr lang="en-US" dirty="0"/>
+              <a:t>","https://</a:t>
+            </a:r>
+            <a:r>
+              <a:rPr lang="en-US" dirty="0" err="1"/>
+              <a:t>www.yahoo.com</a:t>
+            </a:r>
+            <a:r>
+              <a:rPr lang="en-US" dirty="0"/>
+              <a:t>");//change from google to yahoo</a:t>
+            </a:r>
+          </a:p>
+          <a:p>
+            <a:endParaRPr lang="en-US" dirty="0"/>
+          </a:p>
+          <a:p>
+            <a:r>
+              <a:rPr lang="en-US" dirty="0"/>
+              <a:t>  $("button").</a:t>
+            </a:r>
+            <a:r>
+              <a:rPr lang="en-US" dirty="0">
+                <a:solidFill>
+                  <a:srgbClr val="FF0000"/>
+                </a:solidFill>
+              </a:rPr>
+              <a:t>click(function(){</a:t>
+            </a:r>
+          </a:p>
+          <a:p>
+            <a:r>
+              <a:rPr lang="en-US" dirty="0"/>
+              <a:t>    $("h1").</a:t>
+            </a:r>
+            <a:r>
+              <a:rPr lang="en-US" dirty="0" err="1"/>
+              <a:t>css</a:t>
+            </a:r>
+            <a:r>
+              <a:rPr lang="en-US" dirty="0"/>
+              <a:t>("</a:t>
+            </a:r>
+            <a:r>
+              <a:rPr lang="en-US" dirty="0" err="1"/>
+              <a:t>color","purple</a:t>
+            </a:r>
+            <a:r>
+              <a:rPr lang="en-US" dirty="0"/>
+              <a:t>");</a:t>
+            </a:r>
+          </a:p>
+          <a:p>
+            <a:r>
+              <a:rPr lang="en-US" dirty="0"/>
+              <a:t>  }</a:t>
+            </a:r>
+          </a:p>
+          <a:p>
+            <a:r>
+              <a:rPr lang="en-US" dirty="0"/>
+              <a:t>);</a:t>
+            </a:r>
+          </a:p>
+        </p:txBody>
+      </p:sp>
+    </p:spTree>
+    <p:extLst>
+      <p:ext uri="{BB962C8B-B14F-4D97-AF65-F5344CB8AC3E}">
+        <p14:creationId xmlns:p14="http://schemas.microsoft.com/office/powerpoint/2010/main" val="2910494113"/>
+      </p:ext>
+    </p:extLst>
+  </p:cSld>
+  <p:clrMapOvr>
+    <a:masterClrMapping/>
+  </p:clrMapOvr>
+</p:sld>
+</file>
+
+<file path=ppt/slides/slide13.xml><?xml version="1.0" encoding="utf-8"?>
+<p:sld xmlns:a="http://schemas.openxmlformats.org/drawingml/2006/main" xmlns:r="http://schemas.openxmlformats.org/officeDocument/2006/relationships" xmlns:p="http://schemas.openxmlformats.org/presentationml/2006/main">
+  <p:cSld>
+    <p:spTree>
+      <p:nvGrpSpPr>
+        <p:cNvPr id="1" name=""/>
+        <p:cNvGrpSpPr/>
+        <p:nvPr/>
+      </p:nvGrpSpPr>
+      <p:grpSpPr>
+        <a:xfrm>
+          <a:off x="0" y="0"/>
+          <a:ext cx="0" cy="0"/>
+          <a:chOff x="0" y="0"/>
+          <a:chExt cx="0" cy="0"/>
+        </a:xfrm>
+      </p:grpSpPr>
+      <p:sp>
+        <p:nvSpPr>
+          <p:cNvPr id="2" name="Title 1">
+            <a:extLst>
+              <a:ext uri="{FF2B5EF4-FFF2-40B4-BE49-F238E27FC236}">
+                <a16:creationId xmlns:a16="http://schemas.microsoft.com/office/drawing/2014/main" id="{1778FEF5-F016-5F9F-C3D3-CBE1698B8C97}"/>
+              </a:ext>
+            </a:extLst>
+          </p:cNvPr>
+          <p:cNvSpPr>
+            <a:spLocks noGrp="1"/>
+          </p:cNvSpPr>
+          <p:nvPr>
+            <p:ph type="title"/>
+          </p:nvPr>
+        </p:nvSpPr>
+        <p:spPr>
+          <a:xfrm>
+            <a:off x="11288888" y="2596445"/>
+            <a:ext cx="64911" cy="1404850"/>
+          </a:xfrm>
+        </p:spPr>
+        <p:txBody>
+          <a:bodyPr/>
+          <a:lstStyle/>
+          <a:p>
+            <a:endParaRPr lang="en-US" dirty="0"/>
+          </a:p>
+        </p:txBody>
+      </p:sp>
+      <p:sp>
+        <p:nvSpPr>
+          <p:cNvPr id="3" name="Content Placeholder 2">
+            <a:extLst>
+              <a:ext uri="{FF2B5EF4-FFF2-40B4-BE49-F238E27FC236}">
+                <a16:creationId xmlns:a16="http://schemas.microsoft.com/office/drawing/2014/main" id="{36DB7243-B605-5F08-5CF8-CFD422A9F221}"/>
+              </a:ext>
+            </a:extLst>
+          </p:cNvPr>
+          <p:cNvSpPr>
+            <a:spLocks noGrp="1"/>
+          </p:cNvSpPr>
+          <p:nvPr>
+            <p:ph idx="1"/>
+          </p:nvPr>
+        </p:nvSpPr>
+        <p:spPr>
+          <a:xfrm>
+            <a:off x="375356" y="301625"/>
+            <a:ext cx="10515600" cy="782108"/>
+          </a:xfrm>
+        </p:spPr>
+        <p:txBody>
+          <a:bodyPr/>
+          <a:lstStyle/>
+          <a:p>
+            <a:r>
+              <a:rPr lang="en-US" dirty="0">
+                <a:solidFill>
+                  <a:srgbClr val="FF0000"/>
+                </a:solidFill>
+              </a:rPr>
+              <a:t>keypress</a:t>
+            </a:r>
+            <a:r>
+              <a:rPr lang="en-US" dirty="0"/>
+              <a:t> event</a:t>
+            </a:r>
+          </a:p>
+          <a:p>
+            <a:endParaRPr lang="en-US" dirty="0"/>
+          </a:p>
+        </p:txBody>
+      </p:sp>
+      <p:sp>
+        <p:nvSpPr>
+          <p:cNvPr id="4" name="TextBox 3">
+            <a:extLst>
+              <a:ext uri="{FF2B5EF4-FFF2-40B4-BE49-F238E27FC236}">
+                <a16:creationId xmlns:a16="http://schemas.microsoft.com/office/drawing/2014/main" id="{910EE50D-ADDD-6A9E-780D-25D3351CCCD3}"/>
+              </a:ext>
+            </a:extLst>
+          </p:cNvPr>
+          <p:cNvSpPr txBox="1"/>
+          <p:nvPr/>
+        </p:nvSpPr>
+        <p:spPr>
+          <a:xfrm>
+            <a:off x="632178" y="948267"/>
+            <a:ext cx="10515600" cy="923330"/>
+          </a:xfrm>
+          <a:prstGeom prst="rect">
+            <a:avLst/>
+          </a:prstGeom>
+          <a:noFill/>
+        </p:spPr>
+        <p:txBody>
+          <a:bodyPr wrap="square" rtlCol="0">
+            <a:spAutoFit/>
+          </a:bodyPr>
+          <a:lstStyle/>
+          <a:p>
+            <a:r>
+              <a:rPr lang="en-US" dirty="0"/>
+              <a:t> $("input").</a:t>
+            </a:r>
+            <a:r>
+              <a:rPr lang="en-US" dirty="0">
+                <a:solidFill>
+                  <a:srgbClr val="FF0000"/>
+                </a:solidFill>
+              </a:rPr>
+              <a:t>keypress</a:t>
+            </a:r>
+            <a:r>
+              <a:rPr lang="en-US" dirty="0"/>
+              <a:t>(function(event){</a:t>
+            </a:r>
+          </a:p>
+          <a:p>
+            <a:r>
+              <a:rPr lang="en-US" dirty="0"/>
+              <a:t>      </a:t>
+            </a:r>
+            <a:r>
+              <a:rPr lang="en-US" dirty="0" err="1"/>
+              <a:t>console.log</a:t>
+            </a:r>
+            <a:r>
+              <a:rPr lang="en-US" dirty="0"/>
+              <a:t>(event);</a:t>
+            </a:r>
+          </a:p>
+          <a:p>
+            <a:r>
+              <a:rPr lang="en-US" dirty="0"/>
+              <a:t>    });</a:t>
+            </a:r>
+          </a:p>
+        </p:txBody>
+      </p:sp>
+      <p:sp>
+        <p:nvSpPr>
+          <p:cNvPr id="6" name="Content Placeholder 2">
+            <a:extLst>
+              <a:ext uri="{FF2B5EF4-FFF2-40B4-BE49-F238E27FC236}">
+                <a16:creationId xmlns:a16="http://schemas.microsoft.com/office/drawing/2014/main" id="{B2DEF69C-61FF-32D3-1BE0-59DD0D1E26FF}"/>
+              </a:ext>
+            </a:extLst>
+          </p:cNvPr>
+          <p:cNvSpPr txBox="1">
+            <a:spLocks/>
+          </p:cNvSpPr>
+          <p:nvPr/>
+        </p:nvSpPr>
+        <p:spPr>
+          <a:xfrm>
+            <a:off x="550334" y="2596445"/>
+            <a:ext cx="10515600" cy="782108"/>
+          </a:xfrm>
+          <a:prstGeom prst="rect">
+            <a:avLst/>
+          </a:prstGeom>
+        </p:spPr>
+        <p:txBody>
+          <a:bodyPr vert="horz" lIns="91440" tIns="45720" rIns="91440" bIns="45720" rtlCol="0">
+            <a:normAutofit/>
+          </a:bodyPr>
+          <a:lstStyle>
+            <a:lvl1pPr marL="228600" indent="-228600" algn="l" defTabSz="914400" rtl="0" eaLnBrk="1" latinLnBrk="0" hangingPunct="1">
+              <a:lnSpc>
+                <a:spcPct val="90000"/>
+              </a:lnSpc>
+              <a:spcBef>
+                <a:spcPts val="1000"/>
+              </a:spcBef>
+              <a:buFont typeface="Arial" panose="020B0604020202020204" pitchFamily="34" charset="0"/>
+              <a:buChar char="•"/>
+              <a:defRPr sz="2800" kern="1200">
+                <a:solidFill>
+                  <a:schemeClr val="tx1"/>
+                </a:solidFill>
+                <a:latin typeface="+mn-lt"/>
+                <a:ea typeface="+mn-ea"/>
+                <a:cs typeface="+mn-cs"/>
+              </a:defRPr>
+            </a:lvl1pPr>
+            <a:lvl2pPr marL="685800" indent="-228600" algn="l" defTabSz="914400" rtl="0" eaLnBrk="1" latinLnBrk="0" hangingPunct="1">
+              <a:lnSpc>
+                <a:spcPct val="90000"/>
+              </a:lnSpc>
+              <a:spcBef>
+                <a:spcPts val="500"/>
+              </a:spcBef>
+              <a:buFont typeface="Arial" panose="020B0604020202020204" pitchFamily="34" charset="0"/>
+              <a:buChar char="•"/>
+              <a:defRPr sz="2400" kern="1200">
+                <a:solidFill>
+                  <a:schemeClr val="tx1"/>
+                </a:solidFill>
+                <a:latin typeface="+mn-lt"/>
+                <a:ea typeface="+mn-ea"/>
+                <a:cs typeface="+mn-cs"/>
+              </a:defRPr>
+            </a:lvl2pPr>
+            <a:lvl3pPr marL="1143000" indent="-228600" algn="l" defTabSz="914400" rtl="0" eaLnBrk="1" latinLnBrk="0" hangingPunct="1">
+              <a:lnSpc>
+                <a:spcPct val="90000"/>
+              </a:lnSpc>
+              <a:spcBef>
+                <a:spcPts val="500"/>
+              </a:spcBef>
+              <a:buFont typeface="Arial" panose="020B0604020202020204" pitchFamily="34" charset="0"/>
+              <a:buChar char="•"/>
+              <a:defRPr sz="2000" kern="1200">
+                <a:solidFill>
+                  <a:schemeClr val="tx1"/>
+                </a:solidFill>
+                <a:latin typeface="+mn-lt"/>
+                <a:ea typeface="+mn-ea"/>
+                <a:cs typeface="+mn-cs"/>
+              </a:defRPr>
+            </a:lvl3pPr>
+            <a:lvl4pPr marL="1600200" indent="-228600" algn="l" defTabSz="914400" rtl="0" eaLnBrk="1" latinLnBrk="0" hangingPunct="1">
+              <a:lnSpc>
+                <a:spcPct val="90000"/>
+              </a:lnSpc>
+              <a:spcBef>
+                <a:spcPts val="500"/>
+              </a:spcBef>
+              <a:buFont typeface="Arial" panose="020B0604020202020204" pitchFamily="34" charset="0"/>
+              <a:buChar char="•"/>
+              <a:defRPr sz="1800" kern="1200">
+                <a:solidFill>
+                  <a:schemeClr val="tx1"/>
+                </a:solidFill>
+                <a:latin typeface="+mn-lt"/>
+                <a:ea typeface="+mn-ea"/>
+                <a:cs typeface="+mn-cs"/>
+              </a:defRPr>
+            </a:lvl4pPr>
+            <a:lvl5pPr marL="2057400" indent="-228600" algn="l" defTabSz="914400" rtl="0" eaLnBrk="1" latinLnBrk="0" hangingPunct="1">
+              <a:lnSpc>
+                <a:spcPct val="90000"/>
+              </a:lnSpc>
+              <a:spcBef>
+                <a:spcPts val="500"/>
+              </a:spcBef>
+              <a:buFont typeface="Arial" panose="020B0604020202020204" pitchFamily="34" charset="0"/>
+              <a:buChar char="•"/>
+              <a:defRPr sz="1800" kern="1200">
+                <a:solidFill>
+                  <a:schemeClr val="tx1"/>
+                </a:solidFill>
+                <a:latin typeface="+mn-lt"/>
+                <a:ea typeface="+mn-ea"/>
+                <a:cs typeface="+mn-cs"/>
+              </a:defRPr>
+            </a:lvl5pPr>
+            <a:lvl6pPr marL="2514600" indent="-228600" algn="l" defTabSz="914400" rtl="0" eaLnBrk="1" latinLnBrk="0" hangingPunct="1">
+              <a:lnSpc>
+                <a:spcPct val="90000"/>
+              </a:lnSpc>
+              <a:spcBef>
+                <a:spcPts val="500"/>
+              </a:spcBef>
+              <a:buFont typeface="Arial" panose="020B0604020202020204" pitchFamily="34" charset="0"/>
+              <a:buChar char="•"/>
+              <a:defRPr sz="1800" kern="1200">
+                <a:solidFill>
+                  <a:schemeClr val="tx1"/>
+                </a:solidFill>
+                <a:latin typeface="+mn-lt"/>
+                <a:ea typeface="+mn-ea"/>
+                <a:cs typeface="+mn-cs"/>
+              </a:defRPr>
+            </a:lvl6pPr>
+            <a:lvl7pPr marL="2971800" indent="-228600" algn="l" defTabSz="914400" rtl="0" eaLnBrk="1" latinLnBrk="0" hangingPunct="1">
+              <a:lnSpc>
+                <a:spcPct val="90000"/>
+              </a:lnSpc>
+              <a:spcBef>
+                <a:spcPts val="500"/>
+              </a:spcBef>
+              <a:buFont typeface="Arial" panose="020B0604020202020204" pitchFamily="34" charset="0"/>
+              <a:buChar char="•"/>
+              <a:defRPr sz="1800" kern="1200">
+                <a:solidFill>
+                  <a:schemeClr val="tx1"/>
+                </a:solidFill>
+                <a:latin typeface="+mn-lt"/>
+                <a:ea typeface="+mn-ea"/>
+                <a:cs typeface="+mn-cs"/>
+              </a:defRPr>
+            </a:lvl7pPr>
+            <a:lvl8pPr marL="3429000" indent="-228600" algn="l" defTabSz="914400" rtl="0" eaLnBrk="1" latinLnBrk="0" hangingPunct="1">
+              <a:lnSpc>
+                <a:spcPct val="90000"/>
+              </a:lnSpc>
+              <a:spcBef>
+                <a:spcPts val="500"/>
+              </a:spcBef>
+              <a:buFont typeface="Arial" panose="020B0604020202020204" pitchFamily="34" charset="0"/>
+              <a:buChar char="•"/>
+              <a:defRPr sz="1800" kern="1200">
+                <a:solidFill>
+                  <a:schemeClr val="tx1"/>
+                </a:solidFill>
+                <a:latin typeface="+mn-lt"/>
+                <a:ea typeface="+mn-ea"/>
+                <a:cs typeface="+mn-cs"/>
+              </a:defRPr>
+            </a:lvl8pPr>
+            <a:lvl9pPr marL="3886200" indent="-228600" algn="l" defTabSz="914400" rtl="0" eaLnBrk="1" latinLnBrk="0" hangingPunct="1">
+              <a:lnSpc>
+                <a:spcPct val="90000"/>
+              </a:lnSpc>
+              <a:spcBef>
+                <a:spcPts val="500"/>
+              </a:spcBef>
+              <a:buFont typeface="Arial" panose="020B0604020202020204" pitchFamily="34" charset="0"/>
+              <a:buChar char="•"/>
+              <a:defRPr sz="1800" kern="1200">
+                <a:solidFill>
+                  <a:schemeClr val="tx1"/>
+                </a:solidFill>
+                <a:latin typeface="+mn-lt"/>
+                <a:ea typeface="+mn-ea"/>
+                <a:cs typeface="+mn-cs"/>
+              </a:defRPr>
+            </a:lvl9pPr>
+          </a:lstStyle>
+          <a:p>
+            <a:r>
+              <a:rPr lang="en-US" dirty="0">
+                <a:solidFill>
+                  <a:srgbClr val="FF0000"/>
+                </a:solidFill>
+              </a:rPr>
+              <a:t>mouseover</a:t>
+            </a:r>
+            <a:r>
+              <a:rPr lang="en-US" dirty="0"/>
+              <a:t> event</a:t>
+            </a:r>
+          </a:p>
+          <a:p>
+            <a:endParaRPr lang="en-US" dirty="0"/>
+          </a:p>
+        </p:txBody>
+      </p:sp>
+    </p:spTree>
+    <p:extLst>
+      <p:ext uri="{BB962C8B-B14F-4D97-AF65-F5344CB8AC3E}">
+        <p14:creationId xmlns:p14="http://schemas.microsoft.com/office/powerpoint/2010/main" val="1647881259"/>
+      </p:ext>
+    </p:extLst>
+  </p:cSld>
+  <p:clrMapOvr>
+    <a:masterClrMapping/>
+  </p:clrMapOvr>
+</p:sld>
+</file>
+
+<file path=ppt/slides/slide14.xml><?xml version="1.0" encoding="utf-8"?>
+<p:sld xmlns:a="http://schemas.openxmlformats.org/drawingml/2006/main" xmlns:r="http://schemas.openxmlformats.org/officeDocument/2006/relationships" xmlns:p="http://schemas.openxmlformats.org/presentationml/2006/main">
+  <p:cSld>
+    <p:spTree>
+      <p:nvGrpSpPr>
+        <p:cNvPr id="1" name=""/>
+        <p:cNvGrpSpPr/>
+        <p:nvPr/>
+      </p:nvGrpSpPr>
+      <p:grpSpPr>
+        <a:xfrm>
+          <a:off x="0" y="0"/>
+          <a:ext cx="0" cy="0"/>
+          <a:chOff x="0" y="0"/>
+          <a:chExt cx="0" cy="0"/>
+        </a:xfrm>
+      </p:grpSpPr>
+      <p:sp>
+        <p:nvSpPr>
+          <p:cNvPr id="2" name="Title 1">
+            <a:extLst>
+              <a:ext uri="{FF2B5EF4-FFF2-40B4-BE49-F238E27FC236}">
+                <a16:creationId xmlns:a16="http://schemas.microsoft.com/office/drawing/2014/main" id="{F01563D0-45C2-B779-3790-9D89BCA06285}"/>
+              </a:ext>
+            </a:extLst>
+          </p:cNvPr>
+          <p:cNvSpPr>
+            <a:spLocks noGrp="1"/>
+          </p:cNvSpPr>
+          <p:nvPr>
+            <p:ph type="title"/>
+          </p:nvPr>
+        </p:nvSpPr>
+        <p:spPr/>
+        <p:txBody>
+          <a:bodyPr/>
+          <a:lstStyle/>
+          <a:p>
+            <a:endParaRPr lang="en-US"/>
+          </a:p>
+        </p:txBody>
+      </p:sp>
+      <p:sp>
+        <p:nvSpPr>
+          <p:cNvPr id="3" name="Content Placeholder 2">
+            <a:extLst>
+              <a:ext uri="{FF2B5EF4-FFF2-40B4-BE49-F238E27FC236}">
+                <a16:creationId xmlns:a16="http://schemas.microsoft.com/office/drawing/2014/main" id="{5FF3F03F-DC23-D97B-32BA-6604F58E5EBA}"/>
+              </a:ext>
+            </a:extLst>
+          </p:cNvPr>
+          <p:cNvSpPr>
+            <a:spLocks noGrp="1"/>
+          </p:cNvSpPr>
+          <p:nvPr>
+            <p:ph idx="1"/>
+          </p:nvPr>
+        </p:nvSpPr>
+        <p:spPr/>
+        <p:txBody>
+          <a:bodyPr/>
+          <a:lstStyle/>
+          <a:p>
+            <a:endParaRPr lang="en-US"/>
+          </a:p>
+        </p:txBody>
+      </p:sp>
+    </p:spTree>
+    <p:extLst>
+      <p:ext uri="{BB962C8B-B14F-4D97-AF65-F5344CB8AC3E}">
+        <p14:creationId xmlns:p14="http://schemas.microsoft.com/office/powerpoint/2010/main" val="2813488985"/>
       </p:ext>
     </p:extLst>
   </p:cSld>

--- a/Presentations/Section14_Jquery.pptx
+++ b/Presentations/Section14_Jquery.pptx
@@ -19,6 +19,8 @@
     <p:sldId id="268" r:id="rId13"/>
     <p:sldId id="270" r:id="rId14"/>
     <p:sldId id="269" r:id="rId15"/>
+    <p:sldId id="271" r:id="rId16"/>
+    <p:sldId id="272" r:id="rId17"/>
   </p:sldIdLst>
   <p:sldSz cx="12192000" cy="6858000"/>
   <p:notesSz cx="6858000" cy="9144000"/>
@@ -274,7 +276,7 @@
           <a:p>
             <a:fld id="{AF7F5B3D-5889-4B46-800F-6466A9710017}" type="datetimeFigureOut">
               <a:rPr lang="en-US" smtClean="0"/>
-              <a:t>11/25/22</a:t>
+              <a:t>11/26/22</a:t>
             </a:fld>
             <a:endParaRPr lang="en-US"/>
           </a:p>
@@ -474,7 +476,7 @@
           <a:p>
             <a:fld id="{AF7F5B3D-5889-4B46-800F-6466A9710017}" type="datetimeFigureOut">
               <a:rPr lang="en-US" smtClean="0"/>
-              <a:t>11/25/22</a:t>
+              <a:t>11/26/22</a:t>
             </a:fld>
             <a:endParaRPr lang="en-US"/>
           </a:p>
@@ -684,7 +686,7 @@
           <a:p>
             <a:fld id="{AF7F5B3D-5889-4B46-800F-6466A9710017}" type="datetimeFigureOut">
               <a:rPr lang="en-US" smtClean="0"/>
-              <a:t>11/25/22</a:t>
+              <a:t>11/26/22</a:t>
             </a:fld>
             <a:endParaRPr lang="en-US"/>
           </a:p>
@@ -884,7 +886,7 @@
           <a:p>
             <a:fld id="{AF7F5B3D-5889-4B46-800F-6466A9710017}" type="datetimeFigureOut">
               <a:rPr lang="en-US" smtClean="0"/>
-              <a:t>11/25/22</a:t>
+              <a:t>11/26/22</a:t>
             </a:fld>
             <a:endParaRPr lang="en-US"/>
           </a:p>
@@ -1160,7 +1162,7 @@
           <a:p>
             <a:fld id="{AF7F5B3D-5889-4B46-800F-6466A9710017}" type="datetimeFigureOut">
               <a:rPr lang="en-US" smtClean="0"/>
-              <a:t>11/25/22</a:t>
+              <a:t>11/26/22</a:t>
             </a:fld>
             <a:endParaRPr lang="en-US"/>
           </a:p>
@@ -1428,7 +1430,7 @@
           <a:p>
             <a:fld id="{AF7F5B3D-5889-4B46-800F-6466A9710017}" type="datetimeFigureOut">
               <a:rPr lang="en-US" smtClean="0"/>
-              <a:t>11/25/22</a:t>
+              <a:t>11/26/22</a:t>
             </a:fld>
             <a:endParaRPr lang="en-US"/>
           </a:p>
@@ -1843,7 +1845,7 @@
           <a:p>
             <a:fld id="{AF7F5B3D-5889-4B46-800F-6466A9710017}" type="datetimeFigureOut">
               <a:rPr lang="en-US" smtClean="0"/>
-              <a:t>11/25/22</a:t>
+              <a:t>11/26/22</a:t>
             </a:fld>
             <a:endParaRPr lang="en-US"/>
           </a:p>
@@ -1985,7 +1987,7 @@
           <a:p>
             <a:fld id="{AF7F5B3D-5889-4B46-800F-6466A9710017}" type="datetimeFigureOut">
               <a:rPr lang="en-US" smtClean="0"/>
-              <a:t>11/25/22</a:t>
+              <a:t>11/26/22</a:t>
             </a:fld>
             <a:endParaRPr lang="en-US"/>
           </a:p>
@@ -2098,7 +2100,7 @@
           <a:p>
             <a:fld id="{AF7F5B3D-5889-4B46-800F-6466A9710017}" type="datetimeFigureOut">
               <a:rPr lang="en-US" smtClean="0"/>
-              <a:t>11/25/22</a:t>
+              <a:t>11/26/22</a:t>
             </a:fld>
             <a:endParaRPr lang="en-US"/>
           </a:p>
@@ -2411,7 +2413,7 @@
           <a:p>
             <a:fld id="{AF7F5B3D-5889-4B46-800F-6466A9710017}" type="datetimeFigureOut">
               <a:rPr lang="en-US" smtClean="0"/>
-              <a:t>11/25/22</a:t>
+              <a:t>11/26/22</a:t>
             </a:fld>
             <a:endParaRPr lang="en-US"/>
           </a:p>
@@ -2700,7 +2702,7 @@
           <a:p>
             <a:fld id="{AF7F5B3D-5889-4B46-800F-6466A9710017}" type="datetimeFigureOut">
               <a:rPr lang="en-US" smtClean="0"/>
-              <a:t>11/25/22</a:t>
+              <a:t>11/26/22</a:t>
             </a:fld>
             <a:endParaRPr lang="en-US"/>
           </a:p>
@@ -2943,7 +2945,7 @@
           <a:p>
             <a:fld id="{AF7F5B3D-5889-4B46-800F-6466A9710017}" type="datetimeFigureOut">
               <a:rPr lang="en-US" smtClean="0"/>
-              <a:t>11/25/22</a:t>
+              <a:t>11/26/22</a:t>
             </a:fld>
             <a:endParaRPr lang="en-US"/>
           </a:p>
@@ -3882,7 +3884,7 @@
             </a:r>
             <a:r>
               <a:rPr lang="en-US" dirty="0"/>
-              <a:t>(“h1”).</a:t>
+              <a:t>$(“h1”).</a:t>
             </a:r>
             <a:r>
               <a:rPr lang="en-US" dirty="0" err="1"/>
@@ -4267,36 +4269,6 @@
       </p:grpSpPr>
       <p:sp>
         <p:nvSpPr>
-          <p:cNvPr id="2" name="Title 1">
-            <a:extLst>
-              <a:ext uri="{FF2B5EF4-FFF2-40B4-BE49-F238E27FC236}">
-                <a16:creationId xmlns:a16="http://schemas.microsoft.com/office/drawing/2014/main" id="{1778FEF5-F016-5F9F-C3D3-CBE1698B8C97}"/>
-              </a:ext>
-            </a:extLst>
-          </p:cNvPr>
-          <p:cNvSpPr>
-            <a:spLocks noGrp="1"/>
-          </p:cNvSpPr>
-          <p:nvPr>
-            <p:ph type="title"/>
-          </p:nvPr>
-        </p:nvSpPr>
-        <p:spPr>
-          <a:xfrm>
-            <a:off x="11288888" y="2596445"/>
-            <a:ext cx="64911" cy="1404850"/>
-          </a:xfrm>
-        </p:spPr>
-        <p:txBody>
-          <a:bodyPr/>
-          <a:lstStyle/>
-          <a:p>
-            <a:endParaRPr lang="en-US" dirty="0"/>
-          </a:p>
-        </p:txBody>
-      </p:sp>
-      <p:sp>
-        <p:nvSpPr>
           <p:cNvPr id="3" name="Content Placeholder 2">
             <a:extLst>
               <a:ext uri="{FF2B5EF4-FFF2-40B4-BE49-F238E27FC236}">
@@ -4667,7 +4639,10 @@
           <a:bodyPr/>
           <a:lstStyle/>
           <a:p>
-            <a:endParaRPr lang="en-US"/>
+            <a:r>
+              <a:rPr lang="en-US" dirty="0"/>
+              <a:t>Adding or removing elements </a:t>
+            </a:r>
           </a:p>
         </p:txBody>
       </p:sp>
@@ -4692,7 +4667,73 @@
           <a:bodyPr/>
           <a:lstStyle/>
           <a:p>
-            <a:endParaRPr lang="en-US"/>
+            <a:r>
+              <a:rPr lang="en-US" dirty="0"/>
+              <a:t>To add , following 4 command	</a:t>
+            </a:r>
+          </a:p>
+          <a:p>
+            <a:pPr marL="914400" lvl="1" indent="-457200">
+              <a:buFont typeface="+mj-lt"/>
+              <a:buAutoNum type="arabicPeriod"/>
+            </a:pPr>
+            <a:r>
+              <a:rPr lang="en-US" dirty="0"/>
+              <a:t>$("button").before("&lt;h2&gt;before&lt;/h2&gt;");</a:t>
+            </a:r>
+          </a:p>
+          <a:p>
+            <a:pPr marL="914400" lvl="1" indent="-457200">
+              <a:buFont typeface="+mj-lt"/>
+              <a:buAutoNum type="arabicPeriod"/>
+            </a:pPr>
+            <a:r>
+              <a:rPr lang="en-US" dirty="0"/>
+              <a:t>$("h1").prepend("&lt;h2&gt;Prepend&lt;/h2&gt;");</a:t>
+            </a:r>
+          </a:p>
+          <a:p>
+            <a:pPr marL="914400" lvl="1" indent="-457200">
+              <a:buFont typeface="+mj-lt"/>
+              <a:buAutoNum type="arabicPeriod"/>
+            </a:pPr>
+            <a:r>
+              <a:rPr lang="en-US" dirty="0"/>
+              <a:t>$("button").after("&lt;h2&gt;after&lt;/h2&gt;");</a:t>
+            </a:r>
+          </a:p>
+          <a:p>
+            <a:pPr marL="914400" lvl="1" indent="-457200">
+              <a:buFont typeface="+mj-lt"/>
+              <a:buAutoNum type="arabicPeriod"/>
+            </a:pPr>
+            <a:r>
+              <a:rPr lang="en-US" dirty="0"/>
+              <a:t>$("h1").append("&lt;h2&gt;append&lt;/h2&gt;");</a:t>
+            </a:r>
+          </a:p>
+          <a:p>
+            <a:r>
+              <a:rPr lang="en-US" dirty="0"/>
+              <a:t>To remove</a:t>
+            </a:r>
+          </a:p>
+          <a:p>
+            <a:pPr lvl="1"/>
+            <a:r>
+              <a:rPr lang="en-US" dirty="0"/>
+              <a:t>$("h3").remove();</a:t>
+            </a:r>
+          </a:p>
+          <a:p>
+            <a:pPr marL="457200" lvl="1" indent="0">
+              <a:buNone/>
+            </a:pPr>
+            <a:endParaRPr lang="en-US" dirty="0"/>
+          </a:p>
+          <a:p>
+            <a:pPr lvl="1"/>
+            <a:endParaRPr lang="en-US" dirty="0"/>
           </a:p>
         </p:txBody>
       </p:sp>
@@ -4700,6 +4741,260 @@
     <p:extLst>
       <p:ext uri="{BB962C8B-B14F-4D97-AF65-F5344CB8AC3E}">
         <p14:creationId xmlns:p14="http://schemas.microsoft.com/office/powerpoint/2010/main" val="2813488985"/>
+      </p:ext>
+    </p:extLst>
+  </p:cSld>
+  <p:clrMapOvr>
+    <a:masterClrMapping/>
+  </p:clrMapOvr>
+</p:sld>
+</file>
+
+<file path=ppt/slides/slide15.xml><?xml version="1.0" encoding="utf-8"?>
+<p:sld xmlns:a="http://schemas.openxmlformats.org/drawingml/2006/main" xmlns:r="http://schemas.openxmlformats.org/officeDocument/2006/relationships" xmlns:p="http://schemas.openxmlformats.org/presentationml/2006/main">
+  <p:cSld>
+    <p:spTree>
+      <p:nvGrpSpPr>
+        <p:cNvPr id="1" name=""/>
+        <p:cNvGrpSpPr/>
+        <p:nvPr/>
+      </p:nvGrpSpPr>
+      <p:grpSpPr>
+        <a:xfrm>
+          <a:off x="0" y="0"/>
+          <a:ext cx="0" cy="0"/>
+          <a:chOff x="0" y="0"/>
+          <a:chExt cx="0" cy="0"/>
+        </a:xfrm>
+      </p:grpSpPr>
+      <p:sp>
+        <p:nvSpPr>
+          <p:cNvPr id="4" name="Title 3">
+            <a:extLst>
+              <a:ext uri="{FF2B5EF4-FFF2-40B4-BE49-F238E27FC236}">
+                <a16:creationId xmlns:a16="http://schemas.microsoft.com/office/drawing/2014/main" id="{FB98A634-E323-1D74-42BC-55E34A216BB4}"/>
+              </a:ext>
+            </a:extLst>
+          </p:cNvPr>
+          <p:cNvSpPr>
+            <a:spLocks noGrp="1"/>
+          </p:cNvSpPr>
+          <p:nvPr>
+            <p:ph type="ctrTitle"/>
+          </p:nvPr>
+        </p:nvSpPr>
+        <p:spPr/>
+        <p:txBody>
+          <a:bodyPr/>
+          <a:lstStyle/>
+          <a:p>
+            <a:r>
+              <a:rPr lang="en-US" dirty="0"/>
+              <a:t>Adding </a:t>
+            </a:r>
+            <a:r>
+              <a:rPr lang="en-US" dirty="0">
+                <a:solidFill>
+                  <a:srgbClr val="C00000"/>
+                </a:solidFill>
+              </a:rPr>
+              <a:t>Animations</a:t>
+            </a:r>
+            <a:endParaRPr lang="en-US" dirty="0"/>
+          </a:p>
+        </p:txBody>
+      </p:sp>
+      <p:sp>
+        <p:nvSpPr>
+          <p:cNvPr id="5" name="Subtitle 4">
+            <a:extLst>
+              <a:ext uri="{FF2B5EF4-FFF2-40B4-BE49-F238E27FC236}">
+                <a16:creationId xmlns:a16="http://schemas.microsoft.com/office/drawing/2014/main" id="{9992C27C-6D91-4D15-A5D1-92D8417A1B29}"/>
+              </a:ext>
+            </a:extLst>
+          </p:cNvPr>
+          <p:cNvSpPr>
+            <a:spLocks noGrp="1"/>
+          </p:cNvSpPr>
+          <p:nvPr>
+            <p:ph type="subTitle" idx="1"/>
+          </p:nvPr>
+        </p:nvSpPr>
+        <p:spPr/>
+        <p:txBody>
+          <a:bodyPr/>
+          <a:lstStyle/>
+          <a:p>
+            <a:endParaRPr lang="en-US" dirty="0"/>
+          </a:p>
+        </p:txBody>
+      </p:sp>
+    </p:spTree>
+    <p:extLst>
+      <p:ext uri="{BB962C8B-B14F-4D97-AF65-F5344CB8AC3E}">
+        <p14:creationId xmlns:p14="http://schemas.microsoft.com/office/powerpoint/2010/main" val="966776476"/>
+      </p:ext>
+    </p:extLst>
+  </p:cSld>
+  <p:clrMapOvr>
+    <a:masterClrMapping/>
+  </p:clrMapOvr>
+</p:sld>
+</file>
+
+<file path=ppt/slides/slide16.xml><?xml version="1.0" encoding="utf-8"?>
+<p:sld xmlns:a="http://schemas.openxmlformats.org/drawingml/2006/main" xmlns:r="http://schemas.openxmlformats.org/officeDocument/2006/relationships" xmlns:p="http://schemas.openxmlformats.org/presentationml/2006/main">
+  <p:cSld>
+    <p:spTree>
+      <p:nvGrpSpPr>
+        <p:cNvPr id="1" name=""/>
+        <p:cNvGrpSpPr/>
+        <p:nvPr/>
+      </p:nvGrpSpPr>
+      <p:grpSpPr>
+        <a:xfrm>
+          <a:off x="0" y="0"/>
+          <a:ext cx="0" cy="0"/>
+          <a:chOff x="0" y="0"/>
+          <a:chExt cx="0" cy="0"/>
+        </a:xfrm>
+      </p:grpSpPr>
+      <p:sp>
+        <p:nvSpPr>
+          <p:cNvPr id="2" name="Title 1">
+            <a:extLst>
+              <a:ext uri="{FF2B5EF4-FFF2-40B4-BE49-F238E27FC236}">
+                <a16:creationId xmlns:a16="http://schemas.microsoft.com/office/drawing/2014/main" id="{55F24505-40AE-1B4C-463E-2838B95E5F1F}"/>
+              </a:ext>
+            </a:extLst>
+          </p:cNvPr>
+          <p:cNvSpPr>
+            <a:spLocks noGrp="1"/>
+          </p:cNvSpPr>
+          <p:nvPr>
+            <p:ph type="title"/>
+          </p:nvPr>
+        </p:nvSpPr>
+        <p:spPr/>
+        <p:txBody>
+          <a:bodyPr/>
+          <a:lstStyle/>
+          <a:p>
+            <a:endParaRPr lang="en-US"/>
+          </a:p>
+        </p:txBody>
+      </p:sp>
+      <p:sp>
+        <p:nvSpPr>
+          <p:cNvPr id="3" name="Content Placeholder 2">
+            <a:extLst>
+              <a:ext uri="{FF2B5EF4-FFF2-40B4-BE49-F238E27FC236}">
+                <a16:creationId xmlns:a16="http://schemas.microsoft.com/office/drawing/2014/main" id="{A3D9A314-14B3-BA47-A2AB-953ABDB371D9}"/>
+              </a:ext>
+            </a:extLst>
+          </p:cNvPr>
+          <p:cNvSpPr>
+            <a:spLocks noGrp="1"/>
+          </p:cNvSpPr>
+          <p:nvPr>
+            <p:ph idx="1"/>
+          </p:nvPr>
+        </p:nvSpPr>
+        <p:spPr/>
+        <p:txBody>
+          <a:bodyPr/>
+          <a:lstStyle/>
+          <a:p>
+            <a:r>
+              <a:rPr lang="en-US" dirty="0"/>
+              <a:t>$(“button”).hide()</a:t>
+            </a:r>
+          </a:p>
+          <a:p>
+            <a:r>
+              <a:rPr lang="en-US" dirty="0"/>
+              <a:t>$(“button”).</a:t>
+            </a:r>
+            <a:r>
+              <a:rPr lang="en-US" dirty="0" err="1"/>
+              <a:t>fadeOut</a:t>
+            </a:r>
+            <a:r>
+              <a:rPr lang="en-US" dirty="0"/>
+              <a:t>()</a:t>
+            </a:r>
+          </a:p>
+          <a:p>
+            <a:r>
+              <a:rPr lang="en-US" dirty="0"/>
+              <a:t>$(“button”).</a:t>
+            </a:r>
+            <a:r>
+              <a:rPr lang="en-US" dirty="0" err="1"/>
+              <a:t>fadeToggle</a:t>
+            </a:r>
+            <a:r>
+              <a:rPr lang="en-US" dirty="0"/>
+              <a:t>()</a:t>
+            </a:r>
+          </a:p>
+          <a:p>
+            <a:r>
+              <a:rPr lang="en-US" dirty="0"/>
+              <a:t>$(“button”).</a:t>
+            </a:r>
+            <a:r>
+              <a:rPr lang="en-US" dirty="0" err="1"/>
+              <a:t>slideToggle</a:t>
+            </a:r>
+            <a:r>
+              <a:rPr lang="en-US" dirty="0"/>
+              <a:t>()</a:t>
+            </a:r>
+          </a:p>
+          <a:p>
+            <a:r>
+              <a:rPr lang="en-US" dirty="0"/>
+              <a:t>$(“button”).animate({opacity:0.5})</a:t>
+            </a:r>
+          </a:p>
+          <a:p>
+            <a:r>
+              <a:rPr lang="en-US" dirty="0"/>
+              <a:t>$(“button”).</a:t>
+            </a:r>
+            <a:r>
+              <a:rPr lang="en-US" dirty="0" err="1"/>
+              <a:t>slideUp</a:t>
+            </a:r>
+            <a:r>
+              <a:rPr lang="en-US" dirty="0"/>
+              <a:t>().</a:t>
+            </a:r>
+            <a:r>
+              <a:rPr lang="en-US" dirty="0" err="1"/>
+              <a:t>slideDown</a:t>
+            </a:r>
+            <a:r>
+              <a:rPr lang="en-US" dirty="0"/>
+              <a:t>().animate(….);</a:t>
+            </a:r>
+          </a:p>
+          <a:p>
+            <a:endParaRPr lang="en-US" dirty="0"/>
+          </a:p>
+          <a:p>
+            <a:endParaRPr lang="en-US" dirty="0"/>
+          </a:p>
+          <a:p>
+            <a:endParaRPr lang="en-US" dirty="0"/>
+          </a:p>
+        </p:txBody>
+      </p:sp>
+    </p:spTree>
+    <p:extLst>
+      <p:ext uri="{BB962C8B-B14F-4D97-AF65-F5344CB8AC3E}">
+        <p14:creationId xmlns:p14="http://schemas.microsoft.com/office/powerpoint/2010/main" val="1562432491"/>
       </p:ext>
     </p:extLst>
   </p:cSld>
@@ -4788,7 +5083,7 @@
             </a:r>
             <a:r>
               <a:rPr lang="en-US" dirty="0"/>
-              <a:t>(“h1”)</a:t>
+              <a:t>$(“h1”)</a:t>
             </a:r>
           </a:p>
           <a:p>
@@ -4819,7 +5114,7 @@
             </a:r>
             <a:r>
               <a:rPr lang="en-US" dirty="0"/>
-              <a:t>(“h1”)</a:t>
+              <a:t>$(“h1”)</a:t>
             </a:r>
           </a:p>
           <a:p>
@@ -4833,7 +5128,7 @@
             <a:pPr lvl="1"/>
             <a:r>
               <a:rPr lang="en-US" dirty="0"/>
-              <a:t>Even $(“h1”)</a:t>
+              <a:t>Even $$(“h1”)</a:t>
             </a:r>
           </a:p>
           <a:p>
@@ -5251,7 +5546,7 @@
           <a:p>
             <a:r>
               <a:rPr lang="en-US" dirty="0"/>
-              <a:t>$(“button”)</a:t>
+              <a:t>$$(“button”)</a:t>
             </a:r>
           </a:p>
         </p:txBody>
@@ -5388,7 +5683,7 @@
             <a:pPr lvl="1"/>
             <a:r>
               <a:rPr lang="en-US" dirty="0"/>
-              <a:t>$h1.addClass(“</a:t>
+              <a:t>$h1.addClass$(“</a:t>
             </a:r>
             <a:r>
               <a:rPr lang="en-US" dirty="0">

--- a/Presentations/Section14_Jquery.pptx
+++ b/Presentations/Section14_Jquery.pptx
@@ -276,7 +276,7 @@
           <a:p>
             <a:fld id="{AF7F5B3D-5889-4B46-800F-6466A9710017}" type="datetimeFigureOut">
               <a:rPr lang="en-US" smtClean="0"/>
-              <a:t>11/26/22</a:t>
+              <a:t>12/9/22</a:t>
             </a:fld>
             <a:endParaRPr lang="en-US"/>
           </a:p>
@@ -476,7 +476,7 @@
           <a:p>
             <a:fld id="{AF7F5B3D-5889-4B46-800F-6466A9710017}" type="datetimeFigureOut">
               <a:rPr lang="en-US" smtClean="0"/>
-              <a:t>11/26/22</a:t>
+              <a:t>12/9/22</a:t>
             </a:fld>
             <a:endParaRPr lang="en-US"/>
           </a:p>
@@ -686,7 +686,7 @@
           <a:p>
             <a:fld id="{AF7F5B3D-5889-4B46-800F-6466A9710017}" type="datetimeFigureOut">
               <a:rPr lang="en-US" smtClean="0"/>
-              <a:t>11/26/22</a:t>
+              <a:t>12/9/22</a:t>
             </a:fld>
             <a:endParaRPr lang="en-US"/>
           </a:p>
@@ -886,7 +886,7 @@
           <a:p>
             <a:fld id="{AF7F5B3D-5889-4B46-800F-6466A9710017}" type="datetimeFigureOut">
               <a:rPr lang="en-US" smtClean="0"/>
-              <a:t>11/26/22</a:t>
+              <a:t>12/9/22</a:t>
             </a:fld>
             <a:endParaRPr lang="en-US"/>
           </a:p>
@@ -1162,7 +1162,7 @@
           <a:p>
             <a:fld id="{AF7F5B3D-5889-4B46-800F-6466A9710017}" type="datetimeFigureOut">
               <a:rPr lang="en-US" smtClean="0"/>
-              <a:t>11/26/22</a:t>
+              <a:t>12/9/22</a:t>
             </a:fld>
             <a:endParaRPr lang="en-US"/>
           </a:p>
@@ -1430,7 +1430,7 @@
           <a:p>
             <a:fld id="{AF7F5B3D-5889-4B46-800F-6466A9710017}" type="datetimeFigureOut">
               <a:rPr lang="en-US" smtClean="0"/>
-              <a:t>11/26/22</a:t>
+              <a:t>12/9/22</a:t>
             </a:fld>
             <a:endParaRPr lang="en-US"/>
           </a:p>
@@ -1845,7 +1845,7 @@
           <a:p>
             <a:fld id="{AF7F5B3D-5889-4B46-800F-6466A9710017}" type="datetimeFigureOut">
               <a:rPr lang="en-US" smtClean="0"/>
-              <a:t>11/26/22</a:t>
+              <a:t>12/9/22</a:t>
             </a:fld>
             <a:endParaRPr lang="en-US"/>
           </a:p>
@@ -1987,7 +1987,7 @@
           <a:p>
             <a:fld id="{AF7F5B3D-5889-4B46-800F-6466A9710017}" type="datetimeFigureOut">
               <a:rPr lang="en-US" smtClean="0"/>
-              <a:t>11/26/22</a:t>
+              <a:t>12/9/22</a:t>
             </a:fld>
             <a:endParaRPr lang="en-US"/>
           </a:p>
@@ -2100,7 +2100,7 @@
           <a:p>
             <a:fld id="{AF7F5B3D-5889-4B46-800F-6466A9710017}" type="datetimeFigureOut">
               <a:rPr lang="en-US" smtClean="0"/>
-              <a:t>11/26/22</a:t>
+              <a:t>12/9/22</a:t>
             </a:fld>
             <a:endParaRPr lang="en-US"/>
           </a:p>
@@ -2413,7 +2413,7 @@
           <a:p>
             <a:fld id="{AF7F5B3D-5889-4B46-800F-6466A9710017}" type="datetimeFigureOut">
               <a:rPr lang="en-US" smtClean="0"/>
-              <a:t>11/26/22</a:t>
+              <a:t>12/9/22</a:t>
             </a:fld>
             <a:endParaRPr lang="en-US"/>
           </a:p>
@@ -2702,7 +2702,7 @@
           <a:p>
             <a:fld id="{AF7F5B3D-5889-4B46-800F-6466A9710017}" type="datetimeFigureOut">
               <a:rPr lang="en-US" smtClean="0"/>
-              <a:t>11/26/22</a:t>
+              <a:t>12/9/22</a:t>
             </a:fld>
             <a:endParaRPr lang="en-US"/>
           </a:p>
@@ -2945,7 +2945,7 @@
           <a:p>
             <a:fld id="{AF7F5B3D-5889-4B46-800F-6466A9710017}" type="datetimeFigureOut">
               <a:rPr lang="en-US" smtClean="0"/>
-              <a:t>11/26/22</a:t>
+              <a:t>12/9/22</a:t>
             </a:fld>
             <a:endParaRPr lang="en-US"/>
           </a:p>
@@ -5127,8 +5127,12 @@
           <a:p>
             <a:pPr lvl="1"/>
             <a:r>
-              <a:rPr lang="en-US" dirty="0"/>
-              <a:t>Even $$(“h1”)</a:t>
+              <a:rPr lang="en-US"/>
+              <a:t>Even $(“</a:t>
+            </a:r>
+            <a:r>
+              <a:rPr lang="en-US" dirty="0"/>
+              <a:t>h1”)</a:t>
             </a:r>
           </a:p>
           <a:p>

--- a/Presentations/Section14_Jquery.pptx
+++ b/Presentations/Section14_Jquery.pptx
@@ -21,6 +21,7 @@
     <p:sldId id="269" r:id="rId15"/>
     <p:sldId id="271" r:id="rId16"/>
     <p:sldId id="272" r:id="rId17"/>
+    <p:sldId id="273" r:id="rId18"/>
   </p:sldIdLst>
   <p:sldSz cx="12192000" cy="6858000"/>
   <p:notesSz cx="6858000" cy="9144000"/>
@@ -276,7 +277,7 @@
           <a:p>
             <a:fld id="{AF7F5B3D-5889-4B46-800F-6466A9710017}" type="datetimeFigureOut">
               <a:rPr lang="en-US" smtClean="0"/>
-              <a:t>12/9/22</a:t>
+              <a:t>12/20/22</a:t>
             </a:fld>
             <a:endParaRPr lang="en-US"/>
           </a:p>
@@ -476,7 +477,7 @@
           <a:p>
             <a:fld id="{AF7F5B3D-5889-4B46-800F-6466A9710017}" type="datetimeFigureOut">
               <a:rPr lang="en-US" smtClean="0"/>
-              <a:t>12/9/22</a:t>
+              <a:t>12/20/22</a:t>
             </a:fld>
             <a:endParaRPr lang="en-US"/>
           </a:p>
@@ -686,7 +687,7 @@
           <a:p>
             <a:fld id="{AF7F5B3D-5889-4B46-800F-6466A9710017}" type="datetimeFigureOut">
               <a:rPr lang="en-US" smtClean="0"/>
-              <a:t>12/9/22</a:t>
+              <a:t>12/20/22</a:t>
             </a:fld>
             <a:endParaRPr lang="en-US"/>
           </a:p>
@@ -886,7 +887,7 @@
           <a:p>
             <a:fld id="{AF7F5B3D-5889-4B46-800F-6466A9710017}" type="datetimeFigureOut">
               <a:rPr lang="en-US" smtClean="0"/>
-              <a:t>12/9/22</a:t>
+              <a:t>12/20/22</a:t>
             </a:fld>
             <a:endParaRPr lang="en-US"/>
           </a:p>
@@ -1162,7 +1163,7 @@
           <a:p>
             <a:fld id="{AF7F5B3D-5889-4B46-800F-6466A9710017}" type="datetimeFigureOut">
               <a:rPr lang="en-US" smtClean="0"/>
-              <a:t>12/9/22</a:t>
+              <a:t>12/20/22</a:t>
             </a:fld>
             <a:endParaRPr lang="en-US"/>
           </a:p>
@@ -1430,7 +1431,7 @@
           <a:p>
             <a:fld id="{AF7F5B3D-5889-4B46-800F-6466A9710017}" type="datetimeFigureOut">
               <a:rPr lang="en-US" smtClean="0"/>
-              <a:t>12/9/22</a:t>
+              <a:t>12/20/22</a:t>
             </a:fld>
             <a:endParaRPr lang="en-US"/>
           </a:p>
@@ -1845,7 +1846,7 @@
           <a:p>
             <a:fld id="{AF7F5B3D-5889-4B46-800F-6466A9710017}" type="datetimeFigureOut">
               <a:rPr lang="en-US" smtClean="0"/>
-              <a:t>12/9/22</a:t>
+              <a:t>12/20/22</a:t>
             </a:fld>
             <a:endParaRPr lang="en-US"/>
           </a:p>
@@ -1987,7 +1988,7 @@
           <a:p>
             <a:fld id="{AF7F5B3D-5889-4B46-800F-6466A9710017}" type="datetimeFigureOut">
               <a:rPr lang="en-US" smtClean="0"/>
-              <a:t>12/9/22</a:t>
+              <a:t>12/20/22</a:t>
             </a:fld>
             <a:endParaRPr lang="en-US"/>
           </a:p>
@@ -2100,7 +2101,7 @@
           <a:p>
             <a:fld id="{AF7F5B3D-5889-4B46-800F-6466A9710017}" type="datetimeFigureOut">
               <a:rPr lang="en-US" smtClean="0"/>
-              <a:t>12/9/22</a:t>
+              <a:t>12/20/22</a:t>
             </a:fld>
             <a:endParaRPr lang="en-US"/>
           </a:p>
@@ -2413,7 +2414,7 @@
           <a:p>
             <a:fld id="{AF7F5B3D-5889-4B46-800F-6466A9710017}" type="datetimeFigureOut">
               <a:rPr lang="en-US" smtClean="0"/>
-              <a:t>12/9/22</a:t>
+              <a:t>12/20/22</a:t>
             </a:fld>
             <a:endParaRPr lang="en-US"/>
           </a:p>
@@ -2702,7 +2703,7 @@
           <a:p>
             <a:fld id="{AF7F5B3D-5889-4B46-800F-6466A9710017}" type="datetimeFigureOut">
               <a:rPr lang="en-US" smtClean="0"/>
-              <a:t>12/9/22</a:t>
+              <a:t>12/20/22</a:t>
             </a:fld>
             <a:endParaRPr lang="en-US"/>
           </a:p>
@@ -2945,7 +2946,7 @@
           <a:p>
             <a:fld id="{AF7F5B3D-5889-4B46-800F-6466A9710017}" type="datetimeFigureOut">
               <a:rPr lang="en-US" smtClean="0"/>
-              <a:t>12/9/22</a:t>
+              <a:t>12/20/22</a:t>
             </a:fld>
             <a:endParaRPr lang="en-US"/>
           </a:p>
@@ -5004,6 +5005,127 @@
 </p:sld>
 </file>
 
+<file path=ppt/slides/slide17.xml><?xml version="1.0" encoding="utf-8"?>
+<p:sld xmlns:a="http://schemas.openxmlformats.org/drawingml/2006/main" xmlns:r="http://schemas.openxmlformats.org/officeDocument/2006/relationships" xmlns:p="http://schemas.openxmlformats.org/presentationml/2006/main">
+  <p:cSld>
+    <p:spTree>
+      <p:nvGrpSpPr>
+        <p:cNvPr id="1" name=""/>
+        <p:cNvGrpSpPr/>
+        <p:nvPr/>
+      </p:nvGrpSpPr>
+      <p:grpSpPr>
+        <a:xfrm>
+          <a:off x="0" y="0"/>
+          <a:ext cx="0" cy="0"/>
+          <a:chOff x="0" y="0"/>
+          <a:chExt cx="0" cy="0"/>
+        </a:xfrm>
+      </p:grpSpPr>
+      <p:sp>
+        <p:nvSpPr>
+          <p:cNvPr id="2" name="Title 1">
+            <a:extLst>
+              <a:ext uri="{FF2B5EF4-FFF2-40B4-BE49-F238E27FC236}">
+                <a16:creationId xmlns:a16="http://schemas.microsoft.com/office/drawing/2014/main" id="{FF62C2DA-0F6E-2631-3B0A-6A555B2A0F5B}"/>
+              </a:ext>
+            </a:extLst>
+          </p:cNvPr>
+          <p:cNvSpPr>
+            <a:spLocks noGrp="1"/>
+          </p:cNvSpPr>
+          <p:nvPr>
+            <p:ph type="title"/>
+          </p:nvPr>
+        </p:nvSpPr>
+        <p:spPr/>
+        <p:txBody>
+          <a:bodyPr/>
+          <a:lstStyle/>
+          <a:p>
+            <a:r>
+              <a:rPr lang="en-US" dirty="0"/>
+              <a:t>Selecting id with </a:t>
+            </a:r>
+            <a:r>
+              <a:rPr lang="en-US" dirty="0" err="1"/>
+              <a:t>jquery</a:t>
+            </a:r>
+            <a:r>
+              <a:rPr lang="en-US" dirty="0"/>
+              <a:t>	</a:t>
+            </a:r>
+          </a:p>
+        </p:txBody>
+      </p:sp>
+      <p:sp>
+        <p:nvSpPr>
+          <p:cNvPr id="3" name="Content Placeholder 2">
+            <a:extLst>
+              <a:ext uri="{FF2B5EF4-FFF2-40B4-BE49-F238E27FC236}">
+                <a16:creationId xmlns:a16="http://schemas.microsoft.com/office/drawing/2014/main" id="{0216307F-86EF-698B-7726-B429FF5074DA}"/>
+              </a:ext>
+            </a:extLst>
+          </p:cNvPr>
+          <p:cNvSpPr>
+            <a:spLocks noGrp="1"/>
+          </p:cNvSpPr>
+          <p:nvPr>
+            <p:ph idx="1"/>
+          </p:nvPr>
+        </p:nvSpPr>
+        <p:spPr/>
+        <p:txBody>
+          <a:bodyPr/>
+          <a:lstStyle/>
+          <a:p>
+            <a:r>
+              <a:rPr lang="en-IN" b="0" i="0" dirty="0">
+                <a:solidFill>
+                  <a:srgbClr val="000000"/>
+                </a:solidFill>
+                <a:effectLst/>
+                <a:latin typeface="Consolas" panose="020B0609020204030204" pitchFamily="49" charset="0"/>
+              </a:rPr>
+              <a:t> $(</a:t>
+            </a:r>
+            <a:r>
+              <a:rPr lang="en-IN" b="0" i="0" dirty="0">
+                <a:solidFill>
+                  <a:srgbClr val="A52A2A"/>
+                </a:solidFill>
+                <a:effectLst/>
+                <a:latin typeface="Consolas" panose="020B0609020204030204" pitchFamily="49" charset="0"/>
+              </a:rPr>
+              <a:t>"#test"</a:t>
+            </a:r>
+            <a:r>
+              <a:rPr lang="en-IN" b="0" i="0" dirty="0">
+                <a:solidFill>
+                  <a:srgbClr val="000000"/>
+                </a:solidFill>
+                <a:effectLst/>
+                <a:latin typeface="Consolas" panose="020B0609020204030204" pitchFamily="49" charset="0"/>
+              </a:rPr>
+              <a:t>).hide();</a:t>
+            </a:r>
+            <a:endParaRPr lang="en-US" dirty="0"/>
+          </a:p>
+        </p:txBody>
+      </p:sp>
+    </p:spTree>
+    <p:extLst>
+      <p:ext uri="{BB962C8B-B14F-4D97-AF65-F5344CB8AC3E}">
+        <p14:creationId xmlns:p14="http://schemas.microsoft.com/office/powerpoint/2010/main" val="2127716811"/>
+      </p:ext>
+    </p:extLst>
+  </p:cSld>
+  <p:clrMapOvr>
+    <a:masterClrMapping/>
+  </p:clrMapOvr>
+</p:sld>
+</file>
+
 <file path=ppt/slides/slide2.xml><?xml version="1.0" encoding="utf-8"?>
 <p:sld xmlns:a="http://schemas.openxmlformats.org/drawingml/2006/main" xmlns:r="http://schemas.openxmlformats.org/officeDocument/2006/relationships" xmlns:p="http://schemas.openxmlformats.org/presentationml/2006/main">
   <p:cSld>
